--- a/NER 2015 BCI Challenge.pptx
+++ b/NER 2015 BCI Challenge.pptx
@@ -9,10 +9,12 @@
     <p:sldId id="259" r:id="rId3"/>
     <p:sldId id="257" r:id="rId4"/>
     <p:sldId id="258" r:id="rId5"/>
-    <p:sldId id="260" r:id="rId6"/>
-    <p:sldId id="261" r:id="rId7"/>
-    <p:sldId id="262" r:id="rId8"/>
-    <p:sldId id="263" r:id="rId9"/>
+    <p:sldId id="264" r:id="rId6"/>
+    <p:sldId id="265" r:id="rId7"/>
+    <p:sldId id="260" r:id="rId8"/>
+    <p:sldId id="261" r:id="rId9"/>
+    <p:sldId id="262" r:id="rId10"/>
+    <p:sldId id="263" r:id="rId11"/>
   </p:sldIdLst>
   <p:sldSz cx="12192000" cy="6858000"/>
   <p:notesSz cx="6858000" cy="9144000"/>
@@ -111,6 +113,11 @@
       </a:defRPr>
     </a:lvl9pPr>
   </p:defaultTextStyle>
+  <p:extLst>
+    <p:ext uri="{EFAFB233-063F-42B5-8137-9DF3F51BA10A}">
+      <p15:sldGuideLst xmlns:p15="http://schemas.microsoft.com/office/powerpoint/2012/main"/>
+    </p:ext>
+  </p:extLst>
 </p:presentation>
 </file>
 
@@ -300,7 +307,7 @@
           <a:p>
             <a:fld id="{4AAD347D-5ACD-4C99-B74B-A9C85AD731AF}" type="datetimeFigureOut">
               <a:rPr lang="en-US" dirty="0"/>
-              <a:t>7/6/2016</a:t>
+              <a:t>7/7/2016</a:t>
             </a:fld>
             <a:endParaRPr lang="en-US" dirty="0"/>
           </a:p>
@@ -570,7 +577,7 @@
           <a:p>
             <a:fld id="{4509A250-FF31-4206-8172-F9D3106AACB1}" type="datetimeFigureOut">
               <a:rPr lang="en-US" dirty="0"/>
-              <a:t>7/6/2016</a:t>
+              <a:t>7/7/2016</a:t>
             </a:fld>
             <a:endParaRPr lang="en-US" dirty="0"/>
           </a:p>
@@ -759,7 +766,7 @@
           <a:p>
             <a:fld id="{4509A250-FF31-4206-8172-F9D3106AACB1}" type="datetimeFigureOut">
               <a:rPr lang="en-US" dirty="0"/>
-              <a:t>7/6/2016</a:t>
+              <a:t>7/7/2016</a:t>
             </a:fld>
             <a:endParaRPr lang="en-US" dirty="0"/>
           </a:p>
@@ -1027,7 +1034,7 @@
           <a:p>
             <a:fld id="{4509A250-FF31-4206-8172-F9D3106AACB1}" type="datetimeFigureOut">
               <a:rPr lang="en-US" dirty="0"/>
-              <a:t>7/6/2016</a:t>
+              <a:t>7/7/2016</a:t>
             </a:fld>
             <a:endParaRPr lang="en-US" dirty="0"/>
           </a:p>
@@ -1363,7 +1370,7 @@
           <a:p>
             <a:fld id="{4509A250-FF31-4206-8172-F9D3106AACB1}" type="datetimeFigureOut">
               <a:rPr lang="en-US" dirty="0"/>
-              <a:t>7/6/2016</a:t>
+              <a:t>7/7/2016</a:t>
             </a:fld>
             <a:endParaRPr lang="en-US" dirty="0"/>
           </a:p>
@@ -1981,7 +1988,7 @@
           <a:p>
             <a:fld id="{4509A250-FF31-4206-8172-F9D3106AACB1}" type="datetimeFigureOut">
               <a:rPr lang="en-US" dirty="0"/>
-              <a:t>7/6/2016</a:t>
+              <a:t>7/7/2016</a:t>
             </a:fld>
             <a:endParaRPr lang="en-US" dirty="0"/>
           </a:p>
@@ -2836,7 +2843,7 @@
           <a:p>
             <a:fld id="{4509A250-FF31-4206-8172-F9D3106AACB1}" type="datetimeFigureOut">
               <a:rPr lang="en-US" dirty="0"/>
-              <a:t>7/6/2016</a:t>
+              <a:t>7/7/2016</a:t>
             </a:fld>
             <a:endParaRPr lang="en-US" dirty="0"/>
           </a:p>
@@ -3001,7 +3008,7 @@
           <a:p>
             <a:fld id="{4509A250-FF31-4206-8172-F9D3106AACB1}" type="datetimeFigureOut">
               <a:rPr lang="en-US" dirty="0"/>
-              <a:t>7/6/2016</a:t>
+              <a:t>7/7/2016</a:t>
             </a:fld>
             <a:endParaRPr lang="en-US" dirty="0"/>
           </a:p>
@@ -3176,7 +3183,7 @@
           <a:p>
             <a:fld id="{4509A250-FF31-4206-8172-F9D3106AACB1}" type="datetimeFigureOut">
               <a:rPr lang="en-US" dirty="0"/>
-              <a:t>7/6/2016</a:t>
+              <a:t>7/7/2016</a:t>
             </a:fld>
             <a:endParaRPr lang="en-US" dirty="0"/>
           </a:p>
@@ -3341,7 +3348,7 @@
           <a:p>
             <a:fld id="{4509A250-FF31-4206-8172-F9D3106AACB1}" type="datetimeFigureOut">
               <a:rPr lang="en-US" dirty="0"/>
-              <a:t>7/6/2016</a:t>
+              <a:t>7/7/2016</a:t>
             </a:fld>
             <a:endParaRPr lang="en-US" dirty="0"/>
           </a:p>
@@ -3583,7 +3590,7 @@
           <a:p>
             <a:fld id="{9796027F-7875-4030-9381-8BD8C4F21935}" type="datetimeFigureOut">
               <a:rPr lang="en-US" dirty="0"/>
-              <a:t>7/6/2016</a:t>
+              <a:t>7/7/2016</a:t>
             </a:fld>
             <a:endParaRPr lang="en-US" dirty="0"/>
           </a:p>
@@ -3870,7 +3877,7 @@
           <a:p>
             <a:fld id="{9796027F-7875-4030-9381-8BD8C4F21935}" type="datetimeFigureOut">
               <a:rPr lang="en-US" dirty="0"/>
-              <a:t>7/6/2016</a:t>
+              <a:t>7/7/2016</a:t>
             </a:fld>
             <a:endParaRPr lang="en-US" dirty="0"/>
           </a:p>
@@ -4309,7 +4316,7 @@
           <a:p>
             <a:fld id="{9796027F-7875-4030-9381-8BD8C4F21935}" type="datetimeFigureOut">
               <a:rPr lang="en-US" dirty="0"/>
-              <a:t>7/6/2016</a:t>
+              <a:t>7/7/2016</a:t>
             </a:fld>
             <a:endParaRPr lang="en-US" dirty="0"/>
           </a:p>
@@ -4422,7 +4429,7 @@
           <a:p>
             <a:fld id="{4509A250-FF31-4206-8172-F9D3106AACB1}" type="datetimeFigureOut">
               <a:rPr lang="en-US" dirty="0"/>
-              <a:t>7/6/2016</a:t>
+              <a:t>7/7/2016</a:t>
             </a:fld>
             <a:endParaRPr lang="en-US" dirty="0"/>
           </a:p>
@@ -4512,7 +4519,7 @@
           <a:p>
             <a:fld id="{4509A250-FF31-4206-8172-F9D3106AACB1}" type="datetimeFigureOut">
               <a:rPr lang="en-US" dirty="0"/>
-              <a:t>7/6/2016</a:t>
+              <a:t>7/7/2016</a:t>
             </a:fld>
             <a:endParaRPr lang="en-US" dirty="0"/>
           </a:p>
@@ -4786,7 +4793,7 @@
           <a:p>
             <a:fld id="{4509A250-FF31-4206-8172-F9D3106AACB1}" type="datetimeFigureOut">
               <a:rPr lang="en-US" dirty="0"/>
-              <a:t>7/6/2016</a:t>
+              <a:t>7/7/2016</a:t>
             </a:fld>
             <a:endParaRPr lang="en-US" dirty="0"/>
           </a:p>
@@ -5056,7 +5063,7 @@
           <a:p>
             <a:fld id="{4509A250-FF31-4206-8172-F9D3106AACB1}" type="datetimeFigureOut">
               <a:rPr lang="en-US" dirty="0"/>
-              <a:t>7/6/2016</a:t>
+              <a:t>7/7/2016</a:t>
             </a:fld>
             <a:endParaRPr lang="en-US" dirty="0"/>
           </a:p>
@@ -5480,7 +5487,7 @@
           <a:p>
             <a:fld id="{4AAD347D-5ACD-4C99-B74B-A9C85AD731AF}" type="datetimeFigureOut">
               <a:rPr lang="en-US" dirty="0"/>
-              <a:t>7/6/2016</a:t>
+              <a:t>7/7/2016</a:t>
             </a:fld>
             <a:endParaRPr lang="en-US" dirty="0"/>
           </a:p>
@@ -6074,6 +6081,231 @@
   <p:clrMapOvr>
     <a:masterClrMapping/>
   </p:clrMapOvr>
+  <p:timing>
+    <p:tnLst>
+      <p:par>
+        <p:cTn id="1" dur="indefinite" restart="never" nodeType="tmRoot"/>
+      </p:par>
+    </p:tnLst>
+  </p:timing>
+</p:sld>
+</file>
+
+<file path=ppt/slides/slide10.xml><?xml version="1.0" encoding="utf-8"?>
+<p:sld xmlns:a="http://schemas.openxmlformats.org/drawingml/2006/main" xmlns:r="http://schemas.openxmlformats.org/officeDocument/2006/relationships" xmlns:p="http://schemas.openxmlformats.org/presentationml/2006/main">
+  <p:cSld>
+    <p:spTree>
+      <p:nvGrpSpPr>
+        <p:cNvPr id="1" name=""/>
+        <p:cNvGrpSpPr/>
+        <p:nvPr/>
+      </p:nvGrpSpPr>
+      <p:grpSpPr>
+        <a:xfrm>
+          <a:off x="0" y="0"/>
+          <a:ext cx="0" cy="0"/>
+          <a:chOff x="0" y="0"/>
+          <a:chExt cx="0" cy="0"/>
+        </a:xfrm>
+      </p:grpSpPr>
+      <p:sp>
+        <p:nvSpPr>
+          <p:cNvPr id="2" name="Titel 1"/>
+          <p:cNvSpPr>
+            <a:spLocks noGrp="1"/>
+          </p:cNvSpPr>
+          <p:nvPr>
+            <p:ph type="title"/>
+          </p:nvPr>
+        </p:nvSpPr>
+        <p:spPr/>
+        <p:txBody>
+          <a:bodyPr/>
+          <a:lstStyle/>
+          <a:p>
+            <a:r>
+              <a:rPr lang="de-DE" dirty="0"/>
+              <a:t>Ranking </a:t>
+            </a:r>
+            <a:r>
+              <a:rPr lang="de-DE" dirty="0" err="1"/>
+              <a:t>and</a:t>
+            </a:r>
+            <a:r>
+              <a:rPr lang="de-DE" dirty="0"/>
+              <a:t> Outlook</a:t>
+            </a:r>
+          </a:p>
+        </p:txBody>
+      </p:sp>
+      <p:sp>
+        <p:nvSpPr>
+          <p:cNvPr id="3" name="Inhaltsplatzhalter 2"/>
+          <p:cNvSpPr>
+            <a:spLocks noGrp="1"/>
+          </p:cNvSpPr>
+          <p:nvPr>
+            <p:ph idx="1"/>
+          </p:nvPr>
+        </p:nvSpPr>
+        <p:spPr>
+          <a:xfrm>
+            <a:off x="678665" y="4610178"/>
+            <a:ext cx="8946541" cy="1600898"/>
+          </a:xfrm>
+        </p:spPr>
+        <p:txBody>
+          <a:bodyPr/>
+          <a:lstStyle/>
+          <a:p>
+            <a:r>
+              <a:rPr lang="de-DE" dirty="0"/>
+              <a:t>Challenge </a:t>
+            </a:r>
+            <a:r>
+              <a:rPr lang="de-DE" dirty="0" err="1"/>
+              <a:t>felt</a:t>
+            </a:r>
+            <a:r>
+              <a:rPr lang="de-DE" dirty="0"/>
+              <a:t> </a:t>
+            </a:r>
+            <a:r>
+              <a:rPr lang="de-DE" dirty="0" err="1"/>
+              <a:t>impactful</a:t>
+            </a:r>
+            <a:endParaRPr lang="de-DE" dirty="0"/>
+          </a:p>
+          <a:p>
+            <a:r>
+              <a:rPr lang="de-DE" dirty="0"/>
+              <a:t>Motivation </a:t>
+            </a:r>
+            <a:r>
+              <a:rPr lang="de-DE" dirty="0" err="1"/>
+              <a:t>to</a:t>
+            </a:r>
+            <a:r>
+              <a:rPr lang="de-DE" dirty="0"/>
+              <a:t> </a:t>
+            </a:r>
+            <a:r>
+              <a:rPr lang="de-DE" dirty="0" err="1"/>
+              <a:t>work</a:t>
+            </a:r>
+            <a:r>
+              <a:rPr lang="de-DE" dirty="0"/>
+              <a:t> on </a:t>
+            </a:r>
+            <a:r>
+              <a:rPr lang="de-DE" dirty="0" err="1"/>
+              <a:t>future</a:t>
+            </a:r>
+            <a:r>
+              <a:rPr lang="de-DE" dirty="0"/>
+              <a:t> </a:t>
+            </a:r>
+            <a:r>
+              <a:rPr lang="de-DE" dirty="0" err="1"/>
+              <a:t>challenges</a:t>
+            </a:r>
+            <a:endParaRPr lang="de-DE" dirty="0"/>
+          </a:p>
+          <a:p>
+            <a:r>
+              <a:rPr lang="de-DE" dirty="0"/>
+              <a:t>Future </a:t>
+            </a:r>
+            <a:r>
+              <a:rPr lang="de-DE" dirty="0" err="1"/>
+              <a:t>projects</a:t>
+            </a:r>
+            <a:r>
+              <a:rPr lang="de-DE" dirty="0"/>
+              <a:t> in </a:t>
+            </a:r>
+            <a:r>
+              <a:rPr lang="de-DE" dirty="0" err="1"/>
+              <a:t>this</a:t>
+            </a:r>
+            <a:r>
+              <a:rPr lang="de-DE" dirty="0"/>
+              <a:t> </a:t>
+            </a:r>
+            <a:r>
+              <a:rPr lang="de-DE" dirty="0" err="1"/>
+              <a:t>subject</a:t>
+            </a:r>
+            <a:r>
+              <a:rPr lang="de-DE" dirty="0"/>
+              <a:t> </a:t>
+            </a:r>
+            <a:r>
+              <a:rPr lang="de-DE" dirty="0" err="1"/>
+              <a:t>area</a:t>
+            </a:r>
+            <a:endParaRPr lang="de-DE" dirty="0"/>
+          </a:p>
+        </p:txBody>
+      </p:sp>
+      <p:pic>
+        <p:nvPicPr>
+          <p:cNvPr id="2050" name="Picture 2" descr="https://raw.githubusercontent.com/A-Wiedemann/Neural-Engineering/master/leaderboard_14.png"/>
+          <p:cNvPicPr>
+            <a:picLocks noChangeAspect="1" noChangeArrowheads="1"/>
+          </p:cNvPicPr>
+          <p:nvPr/>
+        </p:nvPicPr>
+        <p:blipFill>
+          <a:blip r:embed="rId2">
+            <a:extLst>
+              <a:ext uri="{28A0092B-C50C-407E-A947-70E740481C1C}">
+                <a14:useLocalDpi xmlns:a14="http://schemas.microsoft.com/office/drawing/2010/main" val="0"/>
+              </a:ext>
+            </a:extLst>
+          </a:blip>
+          <a:srcRect/>
+          <a:stretch>
+            <a:fillRect/>
+          </a:stretch>
+        </p:blipFill>
+        <p:spPr bwMode="auto">
+          <a:xfrm>
+            <a:off x="646111" y="1465391"/>
+            <a:ext cx="8979095" cy="2641809"/>
+          </a:xfrm>
+          <a:prstGeom prst="rect">
+            <a:avLst/>
+          </a:prstGeom>
+          <a:noFill/>
+          <a:extLst>
+            <a:ext uri="{909E8E84-426E-40DD-AFC4-6F175D3DCCD1}">
+              <a14:hiddenFill xmlns:a14="http://schemas.microsoft.com/office/drawing/2010/main">
+                <a:solidFill>
+                  <a:srgbClr val="FFFFFF"/>
+                </a:solidFill>
+              </a14:hiddenFill>
+            </a:ext>
+          </a:extLst>
+        </p:spPr>
+      </p:pic>
+    </p:spTree>
+    <p:extLst>
+      <p:ext uri="{BB962C8B-B14F-4D97-AF65-F5344CB8AC3E}">
+        <p14:creationId xmlns:p14="http://schemas.microsoft.com/office/powerpoint/2010/main" val="246407262"/>
+      </p:ext>
+    </p:extLst>
+  </p:cSld>
+  <p:clrMapOvr>
+    <a:masterClrMapping/>
+  </p:clrMapOvr>
+  <p:timing>
+    <p:tnLst>
+      <p:par>
+        <p:cTn id="1" dur="indefinite" restart="never" nodeType="tmRoot"/>
+      </p:par>
+    </p:tnLst>
+  </p:timing>
 </p:sld>
 </file>
 
@@ -6233,6 +6465,13 @@
   <p:clrMapOvr>
     <a:masterClrMapping/>
   </p:clrMapOvr>
+  <p:timing>
+    <p:tnLst>
+      <p:par>
+        <p:cTn id="1" dur="indefinite" restart="never" nodeType="tmRoot"/>
+      </p:par>
+    </p:tnLst>
+  </p:timing>
 </p:sld>
 </file>
 
@@ -6930,6 +7169,13 @@
   <p:clrMapOvr>
     <a:masterClrMapping/>
   </p:clrMapOvr>
+  <p:timing>
+    <p:tnLst>
+      <p:par>
+        <p:cTn id="1" dur="indefinite" restart="never" nodeType="tmRoot"/>
+      </p:par>
+    </p:tnLst>
+  </p:timing>
 </p:sld>
 </file>
 
@@ -6960,754 +7206,427 @@
             <p:ph type="title"/>
           </p:nvPr>
         </p:nvSpPr>
-        <p:spPr/>
+        <p:spPr>
+          <a:xfrm>
+            <a:off x="646111" y="322707"/>
+            <a:ext cx="9404723" cy="1400530"/>
+          </a:xfrm>
+        </p:spPr>
         <p:txBody>
           <a:bodyPr/>
           <a:lstStyle/>
           <a:p>
             <a:r>
-              <a:rPr lang="de-DE"/>
-              <a:t>Data Format and Preprocessing</a:t>
+              <a:rPr lang="de-DE" dirty="0" err="1" smtClean="0"/>
+              <a:t>Classification</a:t>
+            </a:r>
+            <a:r>
+              <a:rPr lang="de-DE" dirty="0" smtClean="0"/>
+              <a:t> </a:t>
+            </a:r>
+            <a:r>
+              <a:rPr lang="de-DE" dirty="0" err="1" smtClean="0"/>
+              <a:t>Process</a:t>
             </a:r>
             <a:endParaRPr lang="de-DE" dirty="0"/>
           </a:p>
         </p:txBody>
       </p:sp>
-      <p:sp>
-        <p:nvSpPr>
-          <p:cNvPr id="3" name="Inhaltsplatzhalter 2"/>
-          <p:cNvSpPr>
-            <a:spLocks noGrp="1"/>
-          </p:cNvSpPr>
-          <p:nvPr>
-            <p:ph idx="1"/>
-          </p:nvPr>
+      <p:pic>
+        <p:nvPicPr>
+          <p:cNvPr id="1026" name="Picture 2" descr="http://www.astroml.org/sklearn_tutorial/_images/plot_ML_flow_chart_1.png"/>
+          <p:cNvPicPr>
+            <a:picLocks noChangeAspect="1" noChangeArrowheads="1"/>
+          </p:cNvPicPr>
+          <p:nvPr/>
+        </p:nvPicPr>
+        <p:blipFill>
+          <a:blip r:embed="rId2">
+            <a:extLst>
+              <a:ext uri="{28A0092B-C50C-407E-A947-70E740481C1C}">
+                <a14:useLocalDpi xmlns:a14="http://schemas.microsoft.com/office/drawing/2010/main" val="0"/>
+              </a:ext>
+            </a:extLst>
+          </a:blip>
+          <a:srcRect/>
+          <a:stretch>
+            <a:fillRect/>
+          </a:stretch>
+        </p:blipFill>
+        <p:spPr bwMode="auto">
+          <a:xfrm>
+            <a:off x="682467" y="1128661"/>
+            <a:ext cx="6886734" cy="4591156"/>
+          </a:xfrm>
+          <a:prstGeom prst="rect">
+            <a:avLst/>
+          </a:prstGeom>
+          <a:noFill/>
+          <a:extLst>
+            <a:ext uri="{909E8E84-426E-40DD-AFC4-6F175D3DCCD1}">
+              <a14:hiddenFill xmlns:a14="http://schemas.microsoft.com/office/drawing/2010/main">
+                <a:solidFill>
+                  <a:srgbClr val="FFFFFF"/>
+                </a:solidFill>
+              </a14:hiddenFill>
+            </a:ext>
+          </a:extLst>
+        </p:spPr>
+      </p:pic>
+      <p:sp>
+        <p:nvSpPr>
+          <p:cNvPr id="4" name="Textfeld 3"/>
+          <p:cNvSpPr txBox="1"/>
+          <p:nvPr/>
         </p:nvSpPr>
         <p:spPr>
           <a:xfrm>
-            <a:off x="683862" y="1692191"/>
-            <a:ext cx="8946541" cy="4195481"/>
+            <a:off x="646111" y="6525771"/>
+            <a:ext cx="1430867" cy="369332"/>
           </a:xfrm>
+          <a:prstGeom prst="rect">
+            <a:avLst/>
+          </a:prstGeom>
+          <a:noFill/>
         </p:spPr>
         <p:txBody>
-          <a:bodyPr/>
+          <a:bodyPr wrap="square" rtlCol="0">
+            <a:spAutoFit/>
+          </a:bodyPr>
           <a:lstStyle/>
           <a:p>
-            <a:pPr marL="0" indent="0">
-              <a:buNone/>
-            </a:pPr>
-            <a:r>
-              <a:rPr lang="de-DE" dirty="0"/>
-              <a:t>Data Format:</a:t>
-            </a:r>
-          </a:p>
-          <a:p>
-            <a:r>
-              <a:rPr lang="de-DE" dirty="0"/>
-              <a:t>EEG </a:t>
-            </a:r>
-            <a:r>
-              <a:rPr lang="de-DE" dirty="0" err="1"/>
-              <a:t>data</a:t>
-            </a:r>
-            <a:r>
-              <a:rPr lang="de-DE" dirty="0"/>
-              <a:t> </a:t>
-            </a:r>
-            <a:r>
-              <a:rPr lang="de-DE" dirty="0" err="1"/>
-              <a:t>of</a:t>
-            </a:r>
-            <a:r>
-              <a:rPr lang="de-DE" dirty="0"/>
-              <a:t> 16 </a:t>
-            </a:r>
-            <a:r>
-              <a:rPr lang="de-DE" dirty="0" err="1"/>
-              <a:t>test</a:t>
-            </a:r>
-            <a:r>
-              <a:rPr lang="de-DE" dirty="0"/>
-              <a:t> </a:t>
-            </a:r>
-            <a:r>
-              <a:rPr lang="de-DE" dirty="0" err="1"/>
-              <a:t>subjects</a:t>
-            </a:r>
-            <a:r>
-              <a:rPr lang="de-DE" dirty="0"/>
-              <a:t> </a:t>
-            </a:r>
-            <a:r>
-              <a:rPr lang="de-DE" dirty="0" err="1"/>
-              <a:t>with</a:t>
-            </a:r>
-            <a:r>
-              <a:rPr lang="de-DE" dirty="0"/>
-              <a:t> 5 </a:t>
-            </a:r>
-            <a:r>
-              <a:rPr lang="de-DE" dirty="0" err="1"/>
-              <a:t>sessions</a:t>
-            </a:r>
-            <a:r>
-              <a:rPr lang="de-DE" dirty="0"/>
-              <a:t> per </a:t>
-            </a:r>
-            <a:r>
-              <a:rPr lang="de-DE" dirty="0" err="1"/>
-              <a:t>person</a:t>
-            </a:r>
-            <a:r>
-              <a:rPr lang="de-DE" dirty="0"/>
-              <a:t> was </a:t>
-            </a:r>
-            <a:r>
-              <a:rPr lang="de-DE" dirty="0" err="1"/>
-              <a:t>provided</a:t>
-            </a:r>
-            <a:r>
-              <a:rPr lang="de-DE" dirty="0"/>
-              <a:t> (80 </a:t>
-            </a:r>
-            <a:r>
-              <a:rPr lang="de-DE" dirty="0" err="1"/>
-              <a:t>files</a:t>
-            </a:r>
-            <a:r>
-              <a:rPr lang="de-DE" dirty="0"/>
-              <a:t> = 8.7 GB)</a:t>
-            </a:r>
-          </a:p>
-          <a:p>
-            <a:r>
-              <a:rPr lang="de-DE" dirty="0" err="1"/>
-              <a:t>Full</a:t>
-            </a:r>
-            <a:r>
-              <a:rPr lang="de-DE" dirty="0"/>
-              <a:t> </a:t>
-            </a:r>
-            <a:r>
-              <a:rPr lang="de-DE" dirty="0" err="1"/>
-              <a:t>set</a:t>
-            </a:r>
-            <a:r>
-              <a:rPr lang="de-DE" dirty="0"/>
-              <a:t> </a:t>
-            </a:r>
-            <a:r>
-              <a:rPr lang="de-DE" dirty="0" err="1"/>
-              <a:t>of</a:t>
-            </a:r>
-            <a:r>
-              <a:rPr lang="de-DE" dirty="0"/>
-              <a:t> </a:t>
-            </a:r>
-            <a:r>
-              <a:rPr lang="de-DE" dirty="0" err="1"/>
-              <a:t>the</a:t>
-            </a:r>
-            <a:r>
-              <a:rPr lang="de-DE" dirty="0"/>
-              <a:t> 56 </a:t>
-            </a:r>
-            <a:r>
-              <a:rPr lang="de-DE" dirty="0" err="1"/>
-              <a:t>electrodes</a:t>
-            </a:r>
-            <a:r>
-              <a:rPr lang="de-DE" dirty="0"/>
-              <a:t> was </a:t>
-            </a:r>
-            <a:r>
-              <a:rPr lang="de-DE" dirty="0" err="1"/>
-              <a:t>measured</a:t>
-            </a:r>
-            <a:r>
-              <a:rPr lang="de-DE" dirty="0"/>
-              <a:t> at 200 Hz</a:t>
-            </a:r>
-          </a:p>
-          <a:p>
-            <a:r>
-              <a:rPr lang="de-DE" dirty="0"/>
-              <a:t>The </a:t>
-            </a:r>
-            <a:r>
-              <a:rPr lang="de-DE" dirty="0" err="1"/>
-              <a:t>timing</a:t>
-            </a:r>
-            <a:r>
-              <a:rPr lang="de-DE" dirty="0"/>
-              <a:t> </a:t>
-            </a:r>
-            <a:r>
-              <a:rPr lang="de-DE" dirty="0" err="1"/>
-              <a:t>of</a:t>
-            </a:r>
-            <a:r>
-              <a:rPr lang="de-DE" dirty="0"/>
-              <a:t> </a:t>
-            </a:r>
-            <a:r>
-              <a:rPr lang="de-DE" dirty="0" err="1"/>
-              <a:t>feedback</a:t>
-            </a:r>
-            <a:r>
-              <a:rPr lang="de-DE" dirty="0"/>
-              <a:t> </a:t>
-            </a:r>
-            <a:r>
-              <a:rPr lang="de-DE" dirty="0" err="1"/>
-              <a:t>events</a:t>
-            </a:r>
-            <a:r>
-              <a:rPr lang="de-DE" dirty="0"/>
-              <a:t> was </a:t>
-            </a:r>
-            <a:r>
-              <a:rPr lang="de-DE" dirty="0" err="1"/>
-              <a:t>labled</a:t>
+            <a:r>
+              <a:rPr lang="de-DE" dirty="0" smtClean="0"/>
+              <a:t>Sklearn.org</a:t>
             </a:r>
             <a:endParaRPr lang="de-DE" dirty="0"/>
           </a:p>
-          <a:p>
-            <a:endParaRPr lang="de-DE" dirty="0"/>
-          </a:p>
-        </p:txBody>
-      </p:sp>
-      <p:sp>
-        <p:nvSpPr>
-          <p:cNvPr id="4" name="Inhaltsplatzhalter 2"/>
-          <p:cNvSpPr txBox="1">
-            <a:spLocks/>
-          </p:cNvSpPr>
+        </p:txBody>
+      </p:sp>
+      <p:sp>
+        <p:nvSpPr>
+          <p:cNvPr id="5" name="Abgerundetes Rechteck 4"/>
+          <p:cNvSpPr/>
           <p:nvPr/>
         </p:nvSpPr>
         <p:spPr>
           <a:xfrm>
-            <a:off x="709028" y="4150658"/>
-            <a:ext cx="8946541" cy="2199808"/>
+            <a:off x="2666311" y="1181331"/>
+            <a:ext cx="1292485" cy="4485816"/>
+          </a:xfrm>
+          <a:prstGeom prst="roundRect">
+            <a:avLst/>
+          </a:prstGeom>
+          <a:noFill/>
+          <a:ln w="57150">
+            <a:solidFill>
+              <a:srgbClr val="FFC000"/>
+            </a:solidFill>
+          </a:ln>
+        </p:spPr>
+        <p:style>
+          <a:lnRef idx="2">
+            <a:schemeClr val="accent1">
+              <a:shade val="50000"/>
+            </a:schemeClr>
+          </a:lnRef>
+          <a:fillRef idx="1">
+            <a:schemeClr val="accent1"/>
+          </a:fillRef>
+          <a:effectRef idx="0">
+            <a:schemeClr val="accent1"/>
+          </a:effectRef>
+          <a:fontRef idx="minor">
+            <a:schemeClr val="lt1"/>
+          </a:fontRef>
+        </p:style>
+        <p:txBody>
+          <a:bodyPr rtlCol="0" anchor="ctr"/>
+          <a:lstStyle/>
+          <a:p>
+            <a:pPr algn="ctr"/>
+            <a:endParaRPr lang="de-DE"/>
+          </a:p>
+        </p:txBody>
+      </p:sp>
+      <p:sp>
+        <p:nvSpPr>
+          <p:cNvPr id="8" name="Abgerundetes Rechteck 7"/>
+          <p:cNvSpPr/>
+          <p:nvPr/>
+        </p:nvSpPr>
+        <p:spPr>
+          <a:xfrm>
+            <a:off x="4030421" y="1181331"/>
+            <a:ext cx="1726912" cy="4485816"/>
+          </a:xfrm>
+          <a:prstGeom prst="roundRect">
+            <a:avLst/>
+          </a:prstGeom>
+          <a:noFill/>
+          <a:ln w="57150">
+            <a:solidFill>
+              <a:srgbClr val="FFC000"/>
+            </a:solidFill>
+          </a:ln>
+        </p:spPr>
+        <p:style>
+          <a:lnRef idx="2">
+            <a:schemeClr val="accent1">
+              <a:shade val="50000"/>
+            </a:schemeClr>
+          </a:lnRef>
+          <a:fillRef idx="1">
+            <a:schemeClr val="accent1"/>
+          </a:fillRef>
+          <a:effectRef idx="0">
+            <a:schemeClr val="accent1"/>
+          </a:effectRef>
+          <a:fontRef idx="minor">
+            <a:schemeClr val="lt1"/>
+          </a:fontRef>
+        </p:style>
+        <p:txBody>
+          <a:bodyPr rtlCol="0" anchor="ctr"/>
+          <a:lstStyle/>
+          <a:p>
+            <a:pPr algn="ctr"/>
+            <a:endParaRPr lang="de-DE"/>
+          </a:p>
+        </p:txBody>
+      </p:sp>
+      <p:sp>
+        <p:nvSpPr>
+          <p:cNvPr id="9" name="Abgerundetes Rechteck 8"/>
+          <p:cNvSpPr/>
+          <p:nvPr/>
+        </p:nvSpPr>
+        <p:spPr>
+          <a:xfrm>
+            <a:off x="5828957" y="1181331"/>
+            <a:ext cx="1740244" cy="4485816"/>
+          </a:xfrm>
+          <a:prstGeom prst="roundRect">
+            <a:avLst/>
+          </a:prstGeom>
+          <a:noFill/>
+          <a:ln w="57150">
+            <a:solidFill>
+              <a:srgbClr val="FFC000"/>
+            </a:solidFill>
+          </a:ln>
+        </p:spPr>
+        <p:style>
+          <a:lnRef idx="2">
+            <a:schemeClr val="accent1">
+              <a:shade val="50000"/>
+            </a:schemeClr>
+          </a:lnRef>
+          <a:fillRef idx="1">
+            <a:schemeClr val="accent1"/>
+          </a:fillRef>
+          <a:effectRef idx="0">
+            <a:schemeClr val="accent1"/>
+          </a:effectRef>
+          <a:fontRef idx="minor">
+            <a:schemeClr val="lt1"/>
+          </a:fontRef>
+        </p:style>
+        <p:txBody>
+          <a:bodyPr rtlCol="0" anchor="ctr"/>
+          <a:lstStyle/>
+          <a:p>
+            <a:pPr algn="ctr"/>
+            <a:endParaRPr lang="de-DE"/>
+          </a:p>
+        </p:txBody>
+      </p:sp>
+      <p:sp>
+        <p:nvSpPr>
+          <p:cNvPr id="6" name="Rechteck 5"/>
+          <p:cNvSpPr/>
+          <p:nvPr/>
+        </p:nvSpPr>
+        <p:spPr>
+          <a:xfrm>
+            <a:off x="4079612" y="5715487"/>
+            <a:ext cx="1786466" cy="1041400"/>
           </a:xfrm>
           <a:prstGeom prst="rect">
             <a:avLst/>
           </a:prstGeom>
         </p:spPr>
-        <p:txBody>
-          <a:bodyPr vert="horz" lIns="91440" tIns="45720" rIns="91440" bIns="45720" rtlCol="0">
-            <a:normAutofit fontScale="85000" lnSpcReduction="20000"/>
-          </a:bodyPr>
-          <a:lstStyle>
-            <a:lvl1pPr marL="342900" indent="-342900" algn="l" defTabSz="457200" rtl="0" eaLnBrk="1" latinLnBrk="0" hangingPunct="1">
-              <a:spcBef>
-                <a:spcPts val="1000"/>
-              </a:spcBef>
-              <a:spcAft>
-                <a:spcPts val="0"/>
-              </a:spcAft>
-              <a:buClr>
-                <a:schemeClr val="bg2">
-                  <a:lumMod val="40000"/>
-                  <a:lumOff val="60000"/>
-                </a:schemeClr>
-              </a:buClr>
-              <a:buSzPct val="80000"/>
-              <a:buFont typeface="Wingdings 3" charset="2"/>
-              <a:buChar char=""/>
-              <a:defRPr sz="2000" b="0" i="0" kern="1200">
-                <a:solidFill>
-                  <a:schemeClr val="tx1"/>
-                </a:solidFill>
-                <a:latin typeface="+mj-lt"/>
-                <a:ea typeface="+mj-ea"/>
-                <a:cs typeface="+mj-cs"/>
-              </a:defRPr>
-            </a:lvl1pPr>
-            <a:lvl2pPr marL="742950" indent="-285750" algn="l" defTabSz="457200" rtl="0" eaLnBrk="1" latinLnBrk="0" hangingPunct="1">
-              <a:spcBef>
-                <a:spcPts val="1000"/>
-              </a:spcBef>
-              <a:spcAft>
-                <a:spcPts val="0"/>
-              </a:spcAft>
-              <a:buClr>
-                <a:schemeClr val="bg2">
-                  <a:lumMod val="40000"/>
-                  <a:lumOff val="60000"/>
-                </a:schemeClr>
-              </a:buClr>
-              <a:buSzPct val="80000"/>
-              <a:buFont typeface="Wingdings 3" charset="2"/>
-              <a:buChar char=""/>
-              <a:defRPr sz="1800" b="0" i="0" kern="1200">
-                <a:solidFill>
-                  <a:schemeClr val="tx1"/>
-                </a:solidFill>
-                <a:latin typeface="+mj-lt"/>
-                <a:ea typeface="+mj-ea"/>
-                <a:cs typeface="+mj-cs"/>
-              </a:defRPr>
-            </a:lvl2pPr>
-            <a:lvl3pPr marL="1143000" indent="-228600" algn="l" defTabSz="457200" rtl="0" eaLnBrk="1" latinLnBrk="0" hangingPunct="1">
-              <a:spcBef>
-                <a:spcPts val="1000"/>
-              </a:spcBef>
-              <a:spcAft>
-                <a:spcPts val="0"/>
-              </a:spcAft>
-              <a:buClr>
-                <a:schemeClr val="bg2">
-                  <a:lumMod val="40000"/>
-                  <a:lumOff val="60000"/>
-                </a:schemeClr>
-              </a:buClr>
-              <a:buSzPct val="80000"/>
-              <a:buFont typeface="Wingdings 3" charset="2"/>
-              <a:buChar char=""/>
-              <a:defRPr sz="1600" b="0" i="0" kern="1200">
-                <a:solidFill>
-                  <a:schemeClr val="tx1"/>
-                </a:solidFill>
-                <a:latin typeface="+mj-lt"/>
-                <a:ea typeface="+mj-ea"/>
-                <a:cs typeface="+mj-cs"/>
-              </a:defRPr>
-            </a:lvl3pPr>
-            <a:lvl4pPr marL="1600200" indent="-228600" algn="l" defTabSz="457200" rtl="0" eaLnBrk="1" latinLnBrk="0" hangingPunct="1">
-              <a:spcBef>
-                <a:spcPts val="1000"/>
-              </a:spcBef>
-              <a:spcAft>
-                <a:spcPts val="0"/>
-              </a:spcAft>
-              <a:buClr>
-                <a:schemeClr val="bg2">
-                  <a:lumMod val="40000"/>
-                  <a:lumOff val="60000"/>
-                </a:schemeClr>
-              </a:buClr>
-              <a:buSzPct val="80000"/>
-              <a:buFont typeface="Wingdings 3" charset="2"/>
-              <a:buChar char=""/>
-              <a:defRPr sz="1400" b="0" i="0" kern="1200">
-                <a:solidFill>
-                  <a:schemeClr val="tx1"/>
-                </a:solidFill>
-                <a:latin typeface="+mj-lt"/>
-                <a:ea typeface="+mj-ea"/>
-                <a:cs typeface="+mj-cs"/>
-              </a:defRPr>
-            </a:lvl4pPr>
-            <a:lvl5pPr marL="2057400" indent="-228600" algn="l" defTabSz="457200" rtl="0" eaLnBrk="1" latinLnBrk="0" hangingPunct="1">
-              <a:spcBef>
-                <a:spcPts val="1000"/>
-              </a:spcBef>
-              <a:spcAft>
-                <a:spcPts val="0"/>
-              </a:spcAft>
-              <a:buClr>
-                <a:schemeClr val="bg2">
-                  <a:lumMod val="40000"/>
-                  <a:lumOff val="60000"/>
-                </a:schemeClr>
-              </a:buClr>
-              <a:buSzPct val="80000"/>
-              <a:buFont typeface="Wingdings 3" charset="2"/>
-              <a:buChar char=""/>
-              <a:defRPr sz="1400" b="0" i="0" kern="1200">
-                <a:solidFill>
-                  <a:schemeClr val="tx1"/>
-                </a:solidFill>
-                <a:latin typeface="+mj-lt"/>
-                <a:ea typeface="+mj-ea"/>
-                <a:cs typeface="+mj-cs"/>
-              </a:defRPr>
-            </a:lvl5pPr>
-            <a:lvl6pPr marL="2506000" indent="-228600" algn="l" defTabSz="457200" rtl="0" eaLnBrk="1" latinLnBrk="0" hangingPunct="1">
-              <a:spcBef>
-                <a:spcPts val="1000"/>
-              </a:spcBef>
-              <a:spcAft>
-                <a:spcPts val="0"/>
-              </a:spcAft>
-              <a:buClr>
-                <a:schemeClr val="bg2">
-                  <a:lumMod val="40000"/>
-                  <a:lumOff val="60000"/>
-                </a:schemeClr>
-              </a:buClr>
-              <a:buSzPct val="80000"/>
-              <a:buFont typeface="Wingdings 3" charset="2"/>
-              <a:buChar char=""/>
-              <a:defRPr sz="1400" b="0" i="0" kern="1200">
-                <a:solidFill>
-                  <a:schemeClr val="tx1"/>
-                </a:solidFill>
-                <a:latin typeface="+mj-lt"/>
-                <a:ea typeface="+mj-ea"/>
-                <a:cs typeface="+mj-cs"/>
-              </a:defRPr>
-            </a:lvl6pPr>
-            <a:lvl7pPr marL="2971800" indent="-228600" algn="l" defTabSz="457200" rtl="0" eaLnBrk="1" latinLnBrk="0" hangingPunct="1">
-              <a:spcBef>
-                <a:spcPts val="1000"/>
-              </a:spcBef>
-              <a:spcAft>
-                <a:spcPts val="0"/>
-              </a:spcAft>
-              <a:buClr>
-                <a:schemeClr val="bg2">
-                  <a:lumMod val="40000"/>
-                  <a:lumOff val="60000"/>
-                </a:schemeClr>
-              </a:buClr>
-              <a:buSzPct val="80000"/>
-              <a:buFont typeface="Wingdings 3" charset="2"/>
-              <a:buChar char=""/>
-              <a:defRPr sz="1400" b="0" i="0" kern="1200">
-                <a:solidFill>
-                  <a:schemeClr val="tx1"/>
-                </a:solidFill>
-                <a:latin typeface="+mj-lt"/>
-                <a:ea typeface="+mj-ea"/>
-                <a:cs typeface="+mj-cs"/>
-              </a:defRPr>
-            </a:lvl7pPr>
-            <a:lvl8pPr marL="3429000" indent="-228600" algn="l" defTabSz="457200" rtl="0" eaLnBrk="1" latinLnBrk="0" hangingPunct="1">
-              <a:spcBef>
-                <a:spcPts val="1000"/>
-              </a:spcBef>
-              <a:spcAft>
-                <a:spcPts val="0"/>
-              </a:spcAft>
-              <a:buClr>
-                <a:schemeClr val="bg2">
-                  <a:lumMod val="40000"/>
-                  <a:lumOff val="60000"/>
-                </a:schemeClr>
-              </a:buClr>
-              <a:buSzPct val="80000"/>
-              <a:buFont typeface="Wingdings 3" charset="2"/>
-              <a:buChar char=""/>
-              <a:defRPr sz="1400" b="0" i="0" kern="1200">
-                <a:solidFill>
-                  <a:schemeClr val="tx1"/>
-                </a:solidFill>
-                <a:latin typeface="+mj-lt"/>
-                <a:ea typeface="+mj-ea"/>
-                <a:cs typeface="+mj-cs"/>
-              </a:defRPr>
-            </a:lvl8pPr>
-            <a:lvl9pPr marL="3886200" indent="-228600" algn="l" defTabSz="457200" rtl="0" eaLnBrk="1" latinLnBrk="0" hangingPunct="1">
-              <a:spcBef>
-                <a:spcPts val="1000"/>
-              </a:spcBef>
-              <a:spcAft>
-                <a:spcPts val="0"/>
-              </a:spcAft>
-              <a:buClr>
-                <a:schemeClr val="bg2">
-                  <a:lumMod val="40000"/>
-                  <a:lumOff val="60000"/>
-                </a:schemeClr>
-              </a:buClr>
-              <a:buSzPct val="80000"/>
-              <a:buFont typeface="Wingdings 3" charset="2"/>
-              <a:buChar char=""/>
-              <a:defRPr sz="1400" b="0" i="0" kern="1200">
-                <a:solidFill>
-                  <a:schemeClr val="tx1"/>
-                </a:solidFill>
-                <a:latin typeface="+mj-lt"/>
-                <a:ea typeface="+mj-ea"/>
-                <a:cs typeface="+mj-cs"/>
-              </a:defRPr>
-            </a:lvl9pPr>
-          </a:lstStyle>
-          <a:p>
-            <a:pPr marL="0" indent="0">
-              <a:buNone/>
-            </a:pPr>
-            <a:r>
-              <a:rPr lang="de-DE" dirty="0" err="1"/>
+        <p:style>
+          <a:lnRef idx="2">
+            <a:schemeClr val="accent1">
+              <a:shade val="50000"/>
+            </a:schemeClr>
+          </a:lnRef>
+          <a:fillRef idx="1">
+            <a:schemeClr val="accent1"/>
+          </a:fillRef>
+          <a:effectRef idx="0">
+            <a:schemeClr val="accent1"/>
+          </a:effectRef>
+          <a:fontRef idx="minor">
+            <a:schemeClr val="lt1"/>
+          </a:fontRef>
+        </p:style>
+        <p:txBody>
+          <a:bodyPr rtlCol="0" anchor="ctr"/>
+          <a:lstStyle/>
+          <a:p>
+            <a:pPr algn="ctr"/>
+            <a:r>
+              <a:rPr lang="de-DE" dirty="0" smtClean="0"/>
+              <a:t>2. </a:t>
+            </a:r>
+          </a:p>
+          <a:p>
+            <a:pPr algn="ctr"/>
+            <a:r>
+              <a:rPr lang="de-DE" dirty="0" err="1" smtClean="0"/>
+              <a:t>Build</a:t>
+            </a:r>
+            <a:r>
+              <a:rPr lang="de-DE" dirty="0" smtClean="0"/>
+              <a:t> </a:t>
+            </a:r>
+            <a:r>
+              <a:rPr lang="de-DE" dirty="0" err="1" smtClean="0"/>
+              <a:t>the</a:t>
+            </a:r>
+            <a:r>
+              <a:rPr lang="de-DE" dirty="0" smtClean="0"/>
+              <a:t> Model/ </a:t>
+            </a:r>
+            <a:r>
+              <a:rPr lang="de-DE" dirty="0" err="1" smtClean="0"/>
+              <a:t>Classifier</a:t>
+            </a:r>
+            <a:endParaRPr lang="de-DE" dirty="0"/>
+          </a:p>
+        </p:txBody>
+      </p:sp>
+      <p:sp>
+        <p:nvSpPr>
+          <p:cNvPr id="11" name="Rechteck 10"/>
+          <p:cNvSpPr/>
+          <p:nvPr/>
+        </p:nvSpPr>
+        <p:spPr>
+          <a:xfrm>
+            <a:off x="2194782" y="5715487"/>
+            <a:ext cx="1734353" cy="1041400"/>
+          </a:xfrm>
+          <a:prstGeom prst="rect">
+            <a:avLst/>
+          </a:prstGeom>
+        </p:spPr>
+        <p:style>
+          <a:lnRef idx="2">
+            <a:schemeClr val="accent1">
+              <a:shade val="50000"/>
+            </a:schemeClr>
+          </a:lnRef>
+          <a:fillRef idx="1">
+            <a:schemeClr val="accent1"/>
+          </a:fillRef>
+          <a:effectRef idx="0">
+            <a:schemeClr val="accent1"/>
+          </a:effectRef>
+          <a:fontRef idx="minor">
+            <a:schemeClr val="lt1"/>
+          </a:fontRef>
+        </p:style>
+        <p:txBody>
+          <a:bodyPr rtlCol="0" anchor="ctr"/>
+          <a:lstStyle/>
+          <a:p>
+            <a:pPr algn="ctr"/>
+            <a:r>
+              <a:rPr lang="de-DE" sz="1600" dirty="0" smtClean="0"/>
+              <a:t>1. </a:t>
+            </a:r>
+            <a:r>
+              <a:rPr lang="de-DE" sz="1600" dirty="0" err="1" smtClean="0"/>
               <a:t>Preprocessing</a:t>
             </a:r>
             <a:r>
-              <a:rPr lang="de-DE" dirty="0"/>
-              <a:t>:</a:t>
-            </a:r>
-          </a:p>
-          <a:p>
-            <a:r>
-              <a:rPr lang="de-DE" dirty="0"/>
-              <a:t>Feedback </a:t>
-            </a:r>
-            <a:r>
-              <a:rPr lang="de-DE" dirty="0" err="1"/>
-              <a:t>related</a:t>
-            </a:r>
-            <a:r>
-              <a:rPr lang="de-DE" dirty="0"/>
-              <a:t> 1.3 </a:t>
-            </a:r>
-            <a:r>
-              <a:rPr lang="de-DE" dirty="0" err="1"/>
-              <a:t>second</a:t>
-            </a:r>
-            <a:r>
-              <a:rPr lang="de-DE" dirty="0"/>
+              <a:rPr lang="de-DE" sz="1600" dirty="0" smtClean="0"/>
+              <a:t> &amp; Feature </a:t>
+            </a:r>
+            <a:r>
+              <a:rPr lang="de-DE" sz="1600" dirty="0" err="1" smtClean="0"/>
+              <a:t>Extraction</a:t>
+            </a:r>
+            <a:endParaRPr lang="de-DE" sz="1600" dirty="0"/>
+          </a:p>
+        </p:txBody>
+      </p:sp>
+      <p:sp>
+        <p:nvSpPr>
+          <p:cNvPr id="12" name="Rechteck 11"/>
+          <p:cNvSpPr/>
+          <p:nvPr/>
+        </p:nvSpPr>
+        <p:spPr>
+          <a:xfrm>
+            <a:off x="5979434" y="5715487"/>
+            <a:ext cx="1786466" cy="1041400"/>
+          </a:xfrm>
+          <a:prstGeom prst="rect">
+            <a:avLst/>
+          </a:prstGeom>
+        </p:spPr>
+        <p:style>
+          <a:lnRef idx="2">
+            <a:schemeClr val="accent1">
+              <a:shade val="50000"/>
+            </a:schemeClr>
+          </a:lnRef>
+          <a:fillRef idx="1">
+            <a:schemeClr val="accent1"/>
+          </a:fillRef>
+          <a:effectRef idx="0">
+            <a:schemeClr val="accent1"/>
+          </a:effectRef>
+          <a:fontRef idx="minor">
+            <a:schemeClr val="lt1"/>
+          </a:fontRef>
+        </p:style>
+        <p:txBody>
+          <a:bodyPr rtlCol="0" anchor="ctr"/>
+          <a:lstStyle/>
+          <a:p>
+            <a:pPr algn="ctr"/>
+            <a:r>
+              <a:rPr lang="de-DE" dirty="0" smtClean="0"/>
+              <a:t>3. </a:t>
+            </a:r>
+          </a:p>
+          <a:p>
+            <a:pPr algn="ctr"/>
+            <a:r>
+              <a:rPr lang="de-DE" dirty="0" err="1" smtClean="0"/>
+              <a:t>Classify</a:t>
+            </a:r>
+            <a:r>
+              <a:rPr lang="de-DE" dirty="0" smtClean="0"/>
               <a:t> </a:t>
             </a:r>
             <a:r>
-              <a:rPr lang="de-DE" dirty="0" err="1"/>
-              <a:t>long</a:t>
-            </a:r>
-            <a:r>
-              <a:rPr lang="de-DE" dirty="0"/>
+              <a:rPr lang="de-DE" dirty="0" err="1" smtClean="0"/>
+              <a:t>new</a:t>
+            </a:r>
+            <a:r>
+              <a:rPr lang="de-DE" dirty="0" smtClean="0"/>
               <a:t> </a:t>
             </a:r>
             <a:r>
-              <a:rPr lang="de-DE" dirty="0" err="1"/>
-              <a:t>chunks</a:t>
-            </a:r>
-            <a:r>
-              <a:rPr lang="de-DE" dirty="0"/>
-              <a:t> </a:t>
-            </a:r>
-            <a:r>
-              <a:rPr lang="de-DE" dirty="0" err="1"/>
-              <a:t>of</a:t>
-            </a:r>
-            <a:r>
-              <a:rPr lang="de-DE" dirty="0"/>
-              <a:t> EEG </a:t>
-            </a:r>
-            <a:r>
-              <a:rPr lang="de-DE" dirty="0" err="1"/>
+              <a:rPr lang="de-DE" dirty="0" err="1" smtClean="0"/>
               <a:t>data</a:t>
             </a:r>
-            <a:r>
-              <a:rPr lang="de-DE" dirty="0"/>
-              <a:t> </a:t>
-            </a:r>
-            <a:r>
-              <a:rPr lang="de-DE" dirty="0" err="1"/>
-              <a:t>cut</a:t>
-            </a:r>
-            <a:r>
-              <a:rPr lang="de-DE" dirty="0"/>
-              <a:t> out </a:t>
-            </a:r>
-            <a:r>
-              <a:rPr lang="de-DE" dirty="0" err="1"/>
-              <a:t>of</a:t>
-            </a:r>
-            <a:r>
-              <a:rPr lang="de-DE" dirty="0"/>
-              <a:t> </a:t>
-            </a:r>
-            <a:r>
-              <a:rPr lang="de-DE" dirty="0" err="1"/>
-              <a:t>complete</a:t>
-            </a:r>
-            <a:r>
-              <a:rPr lang="de-DE" dirty="0"/>
-              <a:t> </a:t>
-            </a:r>
-            <a:r>
-              <a:rPr lang="de-DE" dirty="0" err="1"/>
-              <a:t>data</a:t>
-            </a:r>
-            <a:r>
-              <a:rPr lang="de-DE" dirty="0"/>
-              <a:t> </a:t>
-            </a:r>
-            <a:r>
-              <a:rPr lang="de-DE" dirty="0" err="1"/>
-              <a:t>set</a:t>
-            </a:r>
-            <a:endParaRPr lang="de-DE" dirty="0"/>
-          </a:p>
-          <a:p>
-            <a:r>
-              <a:rPr lang="de-DE" dirty="0" err="1"/>
-              <a:t>Application</a:t>
-            </a:r>
-            <a:r>
-              <a:rPr lang="de-DE" dirty="0"/>
-              <a:t> </a:t>
-            </a:r>
-            <a:r>
-              <a:rPr lang="de-DE" dirty="0" err="1"/>
-              <a:t>of</a:t>
-            </a:r>
-            <a:r>
-              <a:rPr lang="de-DE" dirty="0"/>
-              <a:t> </a:t>
-            </a:r>
-            <a:r>
-              <a:rPr lang="de-DE" dirty="0" err="1"/>
-              <a:t>Butterworth</a:t>
-            </a:r>
-            <a:r>
-              <a:rPr lang="de-DE" dirty="0"/>
-              <a:t> </a:t>
-            </a:r>
-            <a:r>
-              <a:rPr lang="de-DE" dirty="0" err="1"/>
-              <a:t>filter</a:t>
-            </a:r>
-            <a:r>
-              <a:rPr lang="de-DE" dirty="0"/>
-              <a:t> </a:t>
-            </a:r>
-            <a:r>
-              <a:rPr lang="de-DE" dirty="0" err="1"/>
-              <a:t>with</a:t>
-            </a:r>
-            <a:r>
-              <a:rPr lang="de-DE" dirty="0"/>
-              <a:t> a </a:t>
-            </a:r>
-            <a:r>
-              <a:rPr lang="de-DE" dirty="0" err="1"/>
-              <a:t>passband</a:t>
-            </a:r>
-            <a:r>
-              <a:rPr lang="de-DE" dirty="0"/>
-              <a:t> </a:t>
-            </a:r>
-            <a:r>
-              <a:rPr lang="de-DE" dirty="0" err="1"/>
-              <a:t>of</a:t>
-            </a:r>
-            <a:r>
-              <a:rPr lang="de-DE" dirty="0"/>
-              <a:t> 1-40 Hz (</a:t>
-            </a:r>
-            <a:r>
-              <a:rPr lang="de-DE" dirty="0" err="1"/>
-              <a:t>alpha</a:t>
-            </a:r>
-            <a:r>
-              <a:rPr lang="de-DE" dirty="0"/>
-              <a:t> </a:t>
-            </a:r>
-            <a:r>
-              <a:rPr lang="de-DE" dirty="0" err="1"/>
-              <a:t>activity</a:t>
-            </a:r>
-            <a:r>
-              <a:rPr lang="de-DE" dirty="0"/>
-              <a:t> 8-13 Hz, </a:t>
-            </a:r>
-            <a:r>
-              <a:rPr lang="de-DE" dirty="0" err="1"/>
-              <a:t>beta</a:t>
-            </a:r>
-            <a:r>
-              <a:rPr lang="de-DE" dirty="0"/>
-              <a:t> </a:t>
-            </a:r>
-            <a:r>
-              <a:rPr lang="de-DE" dirty="0" err="1"/>
-              <a:t>activity</a:t>
-            </a:r>
-            <a:r>
-              <a:rPr lang="de-DE" dirty="0"/>
-              <a:t> 13-31 Hz)</a:t>
-            </a:r>
-          </a:p>
-          <a:p>
-            <a:r>
-              <a:rPr lang="de-DE" dirty="0"/>
-              <a:t>Amplitude Average </a:t>
-            </a:r>
-            <a:r>
-              <a:rPr lang="de-DE" dirty="0" err="1"/>
-              <a:t>over</a:t>
-            </a:r>
-            <a:r>
-              <a:rPr lang="de-DE" dirty="0"/>
-              <a:t> 1.3 </a:t>
-            </a:r>
-            <a:r>
-              <a:rPr lang="de-DE" dirty="0" err="1"/>
-              <a:t>seconds</a:t>
-            </a:r>
-            <a:r>
-              <a:rPr lang="de-DE" dirty="0"/>
-              <a:t> </a:t>
-            </a:r>
-            <a:r>
-              <a:rPr lang="de-DE" dirty="0" err="1"/>
-              <a:t>of</a:t>
-            </a:r>
-            <a:r>
-              <a:rPr lang="de-DE" dirty="0"/>
-              <a:t> </a:t>
-            </a:r>
-            <a:r>
-              <a:rPr lang="de-DE" dirty="0" err="1"/>
-              <a:t>the</a:t>
-            </a:r>
-            <a:r>
-              <a:rPr lang="de-DE" dirty="0"/>
-              <a:t> </a:t>
-            </a:r>
-            <a:r>
-              <a:rPr lang="de-DE" dirty="0" err="1"/>
-              <a:t>Butterworth</a:t>
-            </a:r>
-            <a:r>
-              <a:rPr lang="de-DE" dirty="0"/>
-              <a:t> </a:t>
-            </a:r>
-            <a:r>
-              <a:rPr lang="de-DE" dirty="0" err="1"/>
-              <a:t>filtered</a:t>
-            </a:r>
-            <a:r>
-              <a:rPr lang="de-DE" dirty="0"/>
-              <a:t> </a:t>
-            </a:r>
-            <a:r>
-              <a:rPr lang="de-DE" dirty="0" err="1"/>
-              <a:t>data</a:t>
-            </a:r>
-            <a:endParaRPr lang="de-DE" dirty="0"/>
-          </a:p>
-          <a:p>
-            <a:r>
-              <a:rPr lang="de-DE" dirty="0" err="1"/>
-              <a:t>Downsampling</a:t>
-            </a:r>
-            <a:r>
-              <a:rPr lang="de-DE" dirty="0"/>
-              <a:t> </a:t>
-            </a:r>
-            <a:r>
-              <a:rPr lang="de-DE" dirty="0" err="1"/>
-              <a:t>for</a:t>
-            </a:r>
-            <a:r>
-              <a:rPr lang="de-DE" dirty="0"/>
-              <a:t> SVM </a:t>
-            </a:r>
-            <a:r>
-              <a:rPr lang="de-DE" dirty="0" err="1"/>
-              <a:t>application</a:t>
-            </a:r>
-            <a:endParaRPr lang="de-DE" dirty="0"/>
-          </a:p>
-          <a:p>
-            <a:endParaRPr lang="de-DE" dirty="0"/>
-          </a:p>
-          <a:p>
-            <a:endParaRPr lang="de-DE" dirty="0"/>
-          </a:p>
-          <a:p>
             <a:endParaRPr lang="de-DE" dirty="0"/>
           </a:p>
         </p:txBody>
@@ -7715,13 +7634,20 @@
     </p:spTree>
     <p:extLst>
       <p:ext uri="{BB962C8B-B14F-4D97-AF65-F5344CB8AC3E}">
-        <p14:creationId xmlns:p14="http://schemas.microsoft.com/office/powerpoint/2010/main" val="1582344435"/>
+        <p14:creationId xmlns:p14="http://schemas.microsoft.com/office/powerpoint/2010/main" val="2757034726"/>
       </p:ext>
     </p:extLst>
   </p:cSld>
   <p:clrMapOvr>
     <a:masterClrMapping/>
   </p:clrMapOvr>
+  <p:timing>
+    <p:tnLst>
+      <p:par>
+        <p:cTn id="1" dur="indefinite" restart="never" nodeType="tmRoot"/>
+      </p:par>
+    </p:tnLst>
+  </p:timing>
 </p:sld>
 </file>
 
@@ -7758,16 +7684,1195 @@
           <a:lstStyle/>
           <a:p>
             <a:r>
+              <a:rPr lang="de-DE" dirty="0" err="1" smtClean="0"/>
+              <a:t>Classification</a:t>
+            </a:r>
+            <a:r>
+              <a:rPr lang="de-DE" dirty="0" smtClean="0"/>
+              <a:t> </a:t>
+            </a:r>
+            <a:r>
+              <a:rPr lang="de-DE" dirty="0" err="1" smtClean="0"/>
+              <a:t>process</a:t>
+            </a:r>
+            <a:endParaRPr lang="de-DE" dirty="0"/>
+          </a:p>
+        </p:txBody>
+      </p:sp>
+      <p:sp>
+        <p:nvSpPr>
+          <p:cNvPr id="4" name="Textfeld 3"/>
+          <p:cNvSpPr txBox="1"/>
+          <p:nvPr/>
+        </p:nvSpPr>
+        <p:spPr>
+          <a:xfrm>
+            <a:off x="646111" y="6525771"/>
+            <a:ext cx="1430867" cy="369332"/>
+          </a:xfrm>
+          <a:prstGeom prst="rect">
+            <a:avLst/>
+          </a:prstGeom>
+          <a:noFill/>
+        </p:spPr>
+        <p:txBody>
+          <a:bodyPr wrap="square" rtlCol="0">
+            <a:spAutoFit/>
+          </a:bodyPr>
+          <a:lstStyle/>
+          <a:p>
+            <a:r>
+              <a:rPr lang="de-DE" dirty="0" smtClean="0"/>
+              <a:t>Sklearn.org</a:t>
+            </a:r>
+            <a:endParaRPr lang="de-DE" dirty="0"/>
+          </a:p>
+        </p:txBody>
+      </p:sp>
+      <p:sp>
+        <p:nvSpPr>
+          <p:cNvPr id="6" name="Rechteck 5"/>
+          <p:cNvSpPr/>
+          <p:nvPr/>
+        </p:nvSpPr>
+        <p:spPr>
+          <a:xfrm>
+            <a:off x="8196021" y="5739809"/>
+            <a:ext cx="1786466" cy="1041400"/>
+          </a:xfrm>
+          <a:prstGeom prst="rect">
+            <a:avLst/>
+          </a:prstGeom>
+        </p:spPr>
+        <p:style>
+          <a:lnRef idx="2">
+            <a:schemeClr val="accent1">
+              <a:shade val="50000"/>
+            </a:schemeClr>
+          </a:lnRef>
+          <a:fillRef idx="1">
+            <a:schemeClr val="accent1"/>
+          </a:fillRef>
+          <a:effectRef idx="0">
+            <a:schemeClr val="accent1"/>
+          </a:effectRef>
+          <a:fontRef idx="minor">
+            <a:schemeClr val="lt1"/>
+          </a:fontRef>
+        </p:style>
+        <p:txBody>
+          <a:bodyPr rtlCol="0" anchor="ctr"/>
+          <a:lstStyle/>
+          <a:p>
+            <a:pPr algn="ctr"/>
+            <a:r>
+              <a:rPr lang="de-DE" dirty="0" smtClean="0"/>
+              <a:t>2. </a:t>
+            </a:r>
+          </a:p>
+          <a:p>
+            <a:pPr algn="ctr"/>
+            <a:r>
+              <a:rPr lang="de-DE" dirty="0" err="1" smtClean="0"/>
+              <a:t>Build</a:t>
+            </a:r>
+            <a:r>
+              <a:rPr lang="de-DE" dirty="0" smtClean="0"/>
+              <a:t> </a:t>
+            </a:r>
+            <a:r>
+              <a:rPr lang="de-DE" dirty="0" err="1" smtClean="0"/>
+              <a:t>the</a:t>
+            </a:r>
+            <a:r>
+              <a:rPr lang="de-DE" dirty="0" smtClean="0"/>
+              <a:t> Model/ </a:t>
+            </a:r>
+            <a:r>
+              <a:rPr lang="de-DE" dirty="0" err="1" smtClean="0"/>
+              <a:t>Classifier</a:t>
+            </a:r>
+            <a:endParaRPr lang="de-DE" dirty="0"/>
+          </a:p>
+        </p:txBody>
+      </p:sp>
+      <p:grpSp>
+        <p:nvGrpSpPr>
+          <p:cNvPr id="3" name="Gruppieren 2"/>
+          <p:cNvGrpSpPr/>
+          <p:nvPr/>
+        </p:nvGrpSpPr>
+        <p:grpSpPr>
+          <a:xfrm>
+            <a:off x="4848067" y="1152983"/>
+            <a:ext cx="7083433" cy="5628226"/>
+            <a:chOff x="682467" y="1128661"/>
+            <a:chExt cx="7083433" cy="5628226"/>
+          </a:xfrm>
+        </p:grpSpPr>
+        <p:pic>
+          <p:nvPicPr>
+            <p:cNvPr id="1026" name="Picture 2" descr="http://www.astroml.org/sklearn_tutorial/_images/plot_ML_flow_chart_1.png"/>
+            <p:cNvPicPr>
+              <a:picLocks noChangeAspect="1" noChangeArrowheads="1"/>
+            </p:cNvPicPr>
+            <p:nvPr/>
+          </p:nvPicPr>
+          <p:blipFill>
+            <a:blip r:embed="rId2">
+              <a:extLst>
+                <a:ext uri="{28A0092B-C50C-407E-A947-70E740481C1C}">
+                  <a14:useLocalDpi xmlns:a14="http://schemas.microsoft.com/office/drawing/2010/main" val="0"/>
+                </a:ext>
+              </a:extLst>
+            </a:blip>
+            <a:srcRect/>
+            <a:stretch>
+              <a:fillRect/>
+            </a:stretch>
+          </p:blipFill>
+          <p:spPr bwMode="auto">
+            <a:xfrm>
+              <a:off x="682467" y="1128661"/>
+              <a:ext cx="6886734" cy="4591156"/>
+            </a:xfrm>
+            <a:prstGeom prst="rect">
+              <a:avLst/>
+            </a:prstGeom>
+            <a:noFill/>
+            <a:extLst>
+              <a:ext uri="{909E8E84-426E-40DD-AFC4-6F175D3DCCD1}">
+                <a14:hiddenFill xmlns:a14="http://schemas.microsoft.com/office/drawing/2010/main">
+                  <a:solidFill>
+                    <a:srgbClr val="FFFFFF"/>
+                  </a:solidFill>
+                </a14:hiddenFill>
+              </a:ext>
+            </a:extLst>
+          </p:spPr>
+        </p:pic>
+        <p:sp>
+          <p:nvSpPr>
+            <p:cNvPr id="5" name="Abgerundetes Rechteck 4"/>
+            <p:cNvSpPr/>
+            <p:nvPr/>
+          </p:nvSpPr>
+          <p:spPr>
+            <a:xfrm>
+              <a:off x="2666311" y="1181331"/>
+              <a:ext cx="1292485" cy="4485816"/>
+            </a:xfrm>
+            <a:prstGeom prst="roundRect">
+              <a:avLst/>
+            </a:prstGeom>
+            <a:noFill/>
+            <a:ln w="57150">
+              <a:solidFill>
+                <a:srgbClr val="FFC000"/>
+              </a:solidFill>
+            </a:ln>
+          </p:spPr>
+          <p:style>
+            <a:lnRef idx="2">
+              <a:schemeClr val="accent1">
+                <a:shade val="50000"/>
+              </a:schemeClr>
+            </a:lnRef>
+            <a:fillRef idx="1">
+              <a:schemeClr val="accent1"/>
+            </a:fillRef>
+            <a:effectRef idx="0">
+              <a:schemeClr val="accent1"/>
+            </a:effectRef>
+            <a:fontRef idx="minor">
+              <a:schemeClr val="lt1"/>
+            </a:fontRef>
+          </p:style>
+          <p:txBody>
+            <a:bodyPr rtlCol="0" anchor="ctr"/>
+            <a:lstStyle/>
+            <a:p>
+              <a:pPr algn="ctr"/>
+              <a:endParaRPr lang="de-DE"/>
+            </a:p>
+          </p:txBody>
+        </p:sp>
+        <p:sp>
+          <p:nvSpPr>
+            <p:cNvPr id="8" name="Abgerundetes Rechteck 7"/>
+            <p:cNvSpPr/>
+            <p:nvPr/>
+          </p:nvSpPr>
+          <p:spPr>
+            <a:xfrm>
+              <a:off x="4030421" y="1181331"/>
+              <a:ext cx="1726912" cy="4485816"/>
+            </a:xfrm>
+            <a:prstGeom prst="roundRect">
+              <a:avLst/>
+            </a:prstGeom>
+            <a:noFill/>
+            <a:ln w="57150">
+              <a:solidFill>
+                <a:srgbClr val="FFC000"/>
+              </a:solidFill>
+            </a:ln>
+          </p:spPr>
+          <p:style>
+            <a:lnRef idx="2">
+              <a:schemeClr val="accent1">
+                <a:shade val="50000"/>
+              </a:schemeClr>
+            </a:lnRef>
+            <a:fillRef idx="1">
+              <a:schemeClr val="accent1"/>
+            </a:fillRef>
+            <a:effectRef idx="0">
+              <a:schemeClr val="accent1"/>
+            </a:effectRef>
+            <a:fontRef idx="minor">
+              <a:schemeClr val="lt1"/>
+            </a:fontRef>
+          </p:style>
+          <p:txBody>
+            <a:bodyPr rtlCol="0" anchor="ctr"/>
+            <a:lstStyle/>
+            <a:p>
+              <a:pPr algn="ctr"/>
+              <a:endParaRPr lang="de-DE"/>
+            </a:p>
+          </p:txBody>
+        </p:sp>
+        <p:sp>
+          <p:nvSpPr>
+            <p:cNvPr id="9" name="Abgerundetes Rechteck 8"/>
+            <p:cNvSpPr/>
+            <p:nvPr/>
+          </p:nvSpPr>
+          <p:spPr>
+            <a:xfrm>
+              <a:off x="5828957" y="1181331"/>
+              <a:ext cx="1740244" cy="4485816"/>
+            </a:xfrm>
+            <a:prstGeom prst="roundRect">
+              <a:avLst/>
+            </a:prstGeom>
+            <a:noFill/>
+            <a:ln w="57150">
+              <a:solidFill>
+                <a:srgbClr val="FFC000"/>
+              </a:solidFill>
+            </a:ln>
+          </p:spPr>
+          <p:style>
+            <a:lnRef idx="2">
+              <a:schemeClr val="accent1">
+                <a:shade val="50000"/>
+              </a:schemeClr>
+            </a:lnRef>
+            <a:fillRef idx="1">
+              <a:schemeClr val="accent1"/>
+            </a:fillRef>
+            <a:effectRef idx="0">
+              <a:schemeClr val="accent1"/>
+            </a:effectRef>
+            <a:fontRef idx="minor">
+              <a:schemeClr val="lt1"/>
+            </a:fontRef>
+          </p:style>
+          <p:txBody>
+            <a:bodyPr rtlCol="0" anchor="ctr"/>
+            <a:lstStyle/>
+            <a:p>
+              <a:pPr algn="ctr"/>
+              <a:endParaRPr lang="de-DE"/>
+            </a:p>
+          </p:txBody>
+        </p:sp>
+        <p:sp>
+          <p:nvSpPr>
+            <p:cNvPr id="11" name="Rechteck 10"/>
+            <p:cNvSpPr/>
+            <p:nvPr/>
+          </p:nvSpPr>
+          <p:spPr>
+            <a:xfrm>
+              <a:off x="2194782" y="5715487"/>
+              <a:ext cx="1734353" cy="1041400"/>
+            </a:xfrm>
+            <a:prstGeom prst="rect">
+              <a:avLst/>
+            </a:prstGeom>
+          </p:spPr>
+          <p:style>
+            <a:lnRef idx="2">
+              <a:schemeClr val="accent1">
+                <a:shade val="50000"/>
+              </a:schemeClr>
+            </a:lnRef>
+            <a:fillRef idx="1">
+              <a:schemeClr val="accent1"/>
+            </a:fillRef>
+            <a:effectRef idx="0">
+              <a:schemeClr val="accent1"/>
+            </a:effectRef>
+            <a:fontRef idx="minor">
+              <a:schemeClr val="lt1"/>
+            </a:fontRef>
+          </p:style>
+          <p:txBody>
+            <a:bodyPr rtlCol="0" anchor="ctr"/>
+            <a:lstStyle/>
+            <a:p>
+              <a:pPr algn="ctr"/>
+              <a:r>
+                <a:rPr lang="de-DE" sz="1600" dirty="0" smtClean="0"/>
+                <a:t>1. </a:t>
+              </a:r>
+              <a:r>
+                <a:rPr lang="de-DE" sz="1600" dirty="0" err="1" smtClean="0"/>
+                <a:t>Preprocessing</a:t>
+              </a:r>
+              <a:r>
+                <a:rPr lang="de-DE" sz="1600" dirty="0" smtClean="0"/>
+                <a:t> &amp; Feature </a:t>
+              </a:r>
+              <a:r>
+                <a:rPr lang="de-DE" sz="1600" dirty="0" err="1" smtClean="0"/>
+                <a:t>Extraction</a:t>
+              </a:r>
+              <a:endParaRPr lang="de-DE" sz="1600" dirty="0"/>
+            </a:p>
+          </p:txBody>
+        </p:sp>
+        <p:sp>
+          <p:nvSpPr>
+            <p:cNvPr id="12" name="Rechteck 11"/>
+            <p:cNvSpPr/>
+            <p:nvPr/>
+          </p:nvSpPr>
+          <p:spPr>
+            <a:xfrm>
+              <a:off x="5979434" y="5715487"/>
+              <a:ext cx="1786466" cy="1041400"/>
+            </a:xfrm>
+            <a:prstGeom prst="rect">
+              <a:avLst/>
+            </a:prstGeom>
+          </p:spPr>
+          <p:style>
+            <a:lnRef idx="2">
+              <a:schemeClr val="accent1">
+                <a:shade val="50000"/>
+              </a:schemeClr>
+            </a:lnRef>
+            <a:fillRef idx="1">
+              <a:schemeClr val="accent1"/>
+            </a:fillRef>
+            <a:effectRef idx="0">
+              <a:schemeClr val="accent1"/>
+            </a:effectRef>
+            <a:fontRef idx="minor">
+              <a:schemeClr val="lt1"/>
+            </a:fontRef>
+          </p:style>
+          <p:txBody>
+            <a:bodyPr rtlCol="0" anchor="ctr"/>
+            <a:lstStyle/>
+            <a:p>
+              <a:pPr algn="ctr"/>
+              <a:r>
+                <a:rPr lang="de-DE" dirty="0" smtClean="0"/>
+                <a:t>3. </a:t>
+              </a:r>
+            </a:p>
+            <a:p>
+              <a:pPr algn="ctr"/>
+              <a:r>
+                <a:rPr lang="de-DE" dirty="0" err="1" smtClean="0"/>
+                <a:t>Classify</a:t>
+              </a:r>
+              <a:r>
+                <a:rPr lang="de-DE" dirty="0" smtClean="0"/>
+                <a:t> </a:t>
+              </a:r>
+              <a:r>
+                <a:rPr lang="de-DE" dirty="0" err="1" smtClean="0"/>
+                <a:t>new</a:t>
+              </a:r>
+              <a:r>
+                <a:rPr lang="de-DE" dirty="0" smtClean="0"/>
+                <a:t> </a:t>
+              </a:r>
+              <a:r>
+                <a:rPr lang="de-DE" dirty="0" err="1" smtClean="0"/>
+                <a:t>data</a:t>
+              </a:r>
+              <a:endParaRPr lang="de-DE" dirty="0"/>
+            </a:p>
+          </p:txBody>
+        </p:sp>
+      </p:grpSp>
+      <p:sp>
+        <p:nvSpPr>
+          <p:cNvPr id="7" name="Textfeld 6"/>
+          <p:cNvSpPr txBox="1"/>
+          <p:nvPr/>
+        </p:nvSpPr>
+        <p:spPr>
+          <a:xfrm>
+            <a:off x="262467" y="1397000"/>
+            <a:ext cx="4301066" cy="3693319"/>
+          </a:xfrm>
+          <a:prstGeom prst="rect">
+            <a:avLst/>
+          </a:prstGeom>
+          <a:noFill/>
+        </p:spPr>
+        <p:txBody>
+          <a:bodyPr wrap="square" rtlCol="0">
+            <a:spAutoFit/>
+          </a:bodyPr>
+          <a:lstStyle/>
+          <a:p>
+            <a:r>
+              <a:rPr lang="de-DE" dirty="0"/>
+              <a:t>Data Format</a:t>
+            </a:r>
+            <a:r>
+              <a:rPr lang="de-DE" dirty="0" smtClean="0"/>
+              <a:t>:</a:t>
+            </a:r>
+          </a:p>
+          <a:p>
+            <a:endParaRPr lang="de-DE" dirty="0"/>
+          </a:p>
+          <a:p>
+            <a:r>
+              <a:rPr lang="de-DE" dirty="0" smtClean="0"/>
+              <a:t>EEG </a:t>
+            </a:r>
+            <a:r>
+              <a:rPr lang="de-DE" dirty="0" err="1" smtClean="0"/>
+              <a:t>data</a:t>
+            </a:r>
+            <a:r>
+              <a:rPr lang="de-DE" dirty="0" smtClean="0"/>
+              <a:t>: </a:t>
+            </a:r>
+          </a:p>
+          <a:p>
+            <a:r>
+              <a:rPr lang="de-DE" dirty="0" smtClean="0"/>
+              <a:t>- 	16 </a:t>
+            </a:r>
+            <a:r>
               <a:rPr lang="de-DE" dirty="0" err="1"/>
+              <a:t>test</a:t>
+            </a:r>
+            <a:r>
+              <a:rPr lang="de-DE" dirty="0"/>
+              <a:t> </a:t>
+            </a:r>
+            <a:r>
+              <a:rPr lang="de-DE" dirty="0" err="1" smtClean="0"/>
+              <a:t>subjects</a:t>
+            </a:r>
+            <a:r>
+              <a:rPr lang="de-DE" dirty="0" smtClean="0"/>
+              <a:t>,  </a:t>
+            </a:r>
+            <a:r>
+              <a:rPr lang="de-DE" dirty="0"/>
+              <a:t>5 </a:t>
+            </a:r>
+            <a:r>
+              <a:rPr lang="de-DE" dirty="0" err="1"/>
+              <a:t>sessions</a:t>
+            </a:r>
+            <a:r>
+              <a:rPr lang="de-DE" dirty="0"/>
+              <a:t> per </a:t>
+            </a:r>
+            <a:r>
+              <a:rPr lang="de-DE" dirty="0" smtClean="0"/>
+              <a:t>	</a:t>
+            </a:r>
+            <a:r>
+              <a:rPr lang="de-DE" dirty="0" err="1" smtClean="0"/>
+              <a:t>person</a:t>
+            </a:r>
+            <a:r>
+              <a:rPr lang="de-DE" dirty="0" smtClean="0"/>
+              <a:t>  = 80 </a:t>
+            </a:r>
+            <a:r>
+              <a:rPr lang="de-DE" dirty="0" err="1" smtClean="0"/>
+              <a:t>csv</a:t>
+            </a:r>
+            <a:r>
+              <a:rPr lang="de-DE" dirty="0" smtClean="0"/>
+              <a:t> </a:t>
+            </a:r>
+            <a:r>
+              <a:rPr lang="de-DE" dirty="0" err="1" smtClean="0"/>
+              <a:t>files</a:t>
+            </a:r>
+            <a:r>
+              <a:rPr lang="de-DE" dirty="0" smtClean="0"/>
+              <a:t> </a:t>
+            </a:r>
+          </a:p>
+          <a:p>
+            <a:r>
+              <a:rPr lang="de-DE" dirty="0" smtClean="0"/>
+              <a:t>- 	56 </a:t>
+            </a:r>
+            <a:r>
+              <a:rPr lang="de-DE" dirty="0" err="1"/>
+              <a:t>electrodes</a:t>
+            </a:r>
+            <a:r>
+              <a:rPr lang="de-DE" dirty="0"/>
+              <a:t> was </a:t>
+            </a:r>
+            <a:r>
+              <a:rPr lang="de-DE" dirty="0" err="1"/>
+              <a:t>measured</a:t>
+            </a:r>
+            <a:r>
+              <a:rPr lang="de-DE" dirty="0"/>
+              <a:t> at </a:t>
+            </a:r>
+            <a:r>
+              <a:rPr lang="de-DE" dirty="0" smtClean="0"/>
+              <a:t>	200 </a:t>
+            </a:r>
+            <a:r>
+              <a:rPr lang="de-DE" dirty="0"/>
+              <a:t>Hz</a:t>
+            </a:r>
+          </a:p>
+          <a:p>
+            <a:r>
+              <a:rPr lang="de-DE" dirty="0" smtClean="0"/>
+              <a:t>- 	The </a:t>
+            </a:r>
+            <a:r>
+              <a:rPr lang="de-DE" dirty="0" err="1"/>
+              <a:t>timing</a:t>
+            </a:r>
+            <a:r>
+              <a:rPr lang="de-DE" dirty="0"/>
+              <a:t> </a:t>
+            </a:r>
+            <a:r>
+              <a:rPr lang="de-DE" dirty="0" err="1"/>
+              <a:t>of</a:t>
+            </a:r>
+            <a:r>
+              <a:rPr lang="de-DE" dirty="0"/>
+              <a:t> </a:t>
+            </a:r>
+            <a:r>
+              <a:rPr lang="de-DE" dirty="0" err="1"/>
+              <a:t>feedback</a:t>
+            </a:r>
+            <a:r>
+              <a:rPr lang="de-DE" dirty="0"/>
+              <a:t> </a:t>
+            </a:r>
+            <a:r>
+              <a:rPr lang="de-DE" dirty="0" err="1"/>
+              <a:t>events</a:t>
+            </a:r>
+            <a:r>
+              <a:rPr lang="de-DE" dirty="0"/>
+              <a:t> </a:t>
+            </a:r>
+            <a:r>
+              <a:rPr lang="de-DE" dirty="0" smtClean="0"/>
+              <a:t>	was </a:t>
+            </a:r>
+            <a:r>
+              <a:rPr lang="de-DE" dirty="0" err="1" smtClean="0"/>
+              <a:t>labled</a:t>
+            </a:r>
+            <a:endParaRPr lang="de-DE" dirty="0" smtClean="0"/>
+          </a:p>
+          <a:p>
+            <a:endParaRPr lang="de-DE" dirty="0"/>
+          </a:p>
+          <a:p>
+            <a:r>
+              <a:rPr lang="de-DE" dirty="0" smtClean="0">
+                <a:sym typeface="Wingdings" panose="05000000000000000000" pitchFamily="2" charset="2"/>
+              </a:rPr>
+              <a:t> </a:t>
+            </a:r>
+            <a:r>
+              <a:rPr lang="de-DE" dirty="0" smtClean="0"/>
+              <a:t>(= </a:t>
+            </a:r>
+            <a:r>
+              <a:rPr lang="de-DE" dirty="0"/>
+              <a:t>8.7 GB)</a:t>
+            </a:r>
+          </a:p>
+          <a:p>
+            <a:endParaRPr lang="de-DE" dirty="0"/>
+          </a:p>
+          <a:p>
+            <a:endParaRPr lang="de-DE" dirty="0"/>
+          </a:p>
+        </p:txBody>
+      </p:sp>
+      <p:pic>
+        <p:nvPicPr>
+          <p:cNvPr id="13" name="Grafik 12"/>
+          <p:cNvPicPr>
+            <a:picLocks noChangeAspect="1"/>
+          </p:cNvPicPr>
+          <p:nvPr/>
+        </p:nvPicPr>
+        <p:blipFill>
+          <a:blip r:embed="rId3"/>
+          <a:stretch>
+            <a:fillRect/>
+          </a:stretch>
+        </p:blipFill>
+        <p:spPr>
+          <a:xfrm>
+            <a:off x="404705" y="4571998"/>
+            <a:ext cx="4016589" cy="1625601"/>
+          </a:xfrm>
+          <a:prstGeom prst="rect">
+            <a:avLst/>
+          </a:prstGeom>
+        </p:spPr>
+      </p:pic>
+    </p:spTree>
+    <p:extLst>
+      <p:ext uri="{BB962C8B-B14F-4D97-AF65-F5344CB8AC3E}">
+        <p14:creationId xmlns:p14="http://schemas.microsoft.com/office/powerpoint/2010/main" val="352805634"/>
+      </p:ext>
+    </p:extLst>
+  </p:cSld>
+  <p:clrMapOvr>
+    <a:masterClrMapping/>
+  </p:clrMapOvr>
+  <p:timing>
+    <p:tnLst>
+      <p:par>
+        <p:cTn id="1" dur="indefinite" restart="never" nodeType="tmRoot"/>
+      </p:par>
+    </p:tnLst>
+  </p:timing>
+</p:sld>
+</file>
+
+<file path=ppt/slides/slide7.xml><?xml version="1.0" encoding="utf-8"?>
+<p:sld xmlns:a="http://schemas.openxmlformats.org/drawingml/2006/main" xmlns:r="http://schemas.openxmlformats.org/officeDocument/2006/relationships" xmlns:p="http://schemas.openxmlformats.org/presentationml/2006/main">
+  <p:cSld>
+    <p:spTree>
+      <p:nvGrpSpPr>
+        <p:cNvPr id="1" name=""/>
+        <p:cNvGrpSpPr/>
+        <p:nvPr/>
+      </p:nvGrpSpPr>
+      <p:grpSpPr>
+        <a:xfrm>
+          <a:off x="0" y="0"/>
+          <a:ext cx="0" cy="0"/>
+          <a:chOff x="0" y="0"/>
+          <a:chExt cx="0" cy="0"/>
+        </a:xfrm>
+      </p:grpSpPr>
+      <p:sp>
+        <p:nvSpPr>
+          <p:cNvPr id="2" name="Titel 1"/>
+          <p:cNvSpPr>
+            <a:spLocks noGrp="1"/>
+          </p:cNvSpPr>
+          <p:nvPr>
+            <p:ph type="title"/>
+          </p:nvPr>
+        </p:nvSpPr>
+        <p:spPr/>
+        <p:txBody>
+          <a:bodyPr/>
+          <a:lstStyle/>
+          <a:p>
+            <a:r>
+              <a:rPr lang="de-DE" dirty="0" smtClean="0"/>
+              <a:t>1. </a:t>
+            </a:r>
+            <a:r>
+              <a:rPr lang="de-DE" dirty="0" err="1" smtClean="0"/>
+              <a:t>Preprocessing</a:t>
+            </a:r>
+            <a:endParaRPr lang="de-DE" dirty="0"/>
+          </a:p>
+        </p:txBody>
+      </p:sp>
+      <p:sp>
+        <p:nvSpPr>
+          <p:cNvPr id="3" name="Inhaltsplatzhalter 2"/>
+          <p:cNvSpPr>
+            <a:spLocks noGrp="1"/>
+          </p:cNvSpPr>
+          <p:nvPr>
+            <p:ph idx="1"/>
+          </p:nvPr>
+        </p:nvSpPr>
+        <p:spPr>
+          <a:xfrm>
+            <a:off x="646111" y="2023224"/>
+            <a:ext cx="8946541" cy="4195481"/>
+          </a:xfrm>
+        </p:spPr>
+        <p:txBody>
+          <a:bodyPr/>
+          <a:lstStyle/>
+          <a:p>
+            <a:pPr marL="0" indent="0">
+              <a:buNone/>
+            </a:pPr>
+            <a:endParaRPr lang="de-DE" dirty="0" smtClean="0"/>
+          </a:p>
+          <a:p>
+            <a:pPr marL="0" indent="0">
+              <a:buNone/>
+            </a:pPr>
+            <a:r>
+              <a:rPr lang="de-DE" dirty="0" err="1" smtClean="0"/>
+              <a:t>Preprocessing</a:t>
+            </a:r>
+            <a:r>
+              <a:rPr lang="de-DE" dirty="0"/>
+              <a:t>:</a:t>
+            </a:r>
+          </a:p>
+          <a:p>
+            <a:r>
+              <a:rPr lang="de-DE" dirty="0"/>
+              <a:t>Feedback </a:t>
+            </a:r>
+            <a:r>
+              <a:rPr lang="de-DE" dirty="0" err="1"/>
+              <a:t>related</a:t>
+            </a:r>
+            <a:r>
+              <a:rPr lang="de-DE" dirty="0"/>
+              <a:t> 1.3 </a:t>
+            </a:r>
+            <a:r>
+              <a:rPr lang="de-DE" dirty="0" err="1"/>
+              <a:t>second</a:t>
+            </a:r>
+            <a:r>
+              <a:rPr lang="de-DE" dirty="0"/>
+              <a:t> </a:t>
+            </a:r>
+            <a:r>
+              <a:rPr lang="de-DE" dirty="0" err="1"/>
+              <a:t>long</a:t>
+            </a:r>
+            <a:r>
+              <a:rPr lang="de-DE" dirty="0"/>
+              <a:t> </a:t>
+            </a:r>
+            <a:r>
+              <a:rPr lang="de-DE" dirty="0" err="1"/>
+              <a:t>chunks</a:t>
+            </a:r>
+            <a:r>
+              <a:rPr lang="de-DE" dirty="0"/>
+              <a:t> </a:t>
+            </a:r>
+            <a:r>
+              <a:rPr lang="de-DE" dirty="0" err="1"/>
+              <a:t>of</a:t>
+            </a:r>
+            <a:r>
+              <a:rPr lang="de-DE" dirty="0"/>
+              <a:t> EEG </a:t>
+            </a:r>
+            <a:r>
+              <a:rPr lang="de-DE" dirty="0" err="1"/>
+              <a:t>data</a:t>
+            </a:r>
+            <a:r>
+              <a:rPr lang="de-DE" dirty="0"/>
+              <a:t> </a:t>
+            </a:r>
+            <a:r>
+              <a:rPr lang="de-DE" dirty="0" err="1"/>
+              <a:t>cut</a:t>
+            </a:r>
+            <a:r>
+              <a:rPr lang="de-DE" dirty="0"/>
+              <a:t> out </a:t>
+            </a:r>
+            <a:r>
+              <a:rPr lang="de-DE" dirty="0" err="1"/>
+              <a:t>of</a:t>
+            </a:r>
+            <a:r>
+              <a:rPr lang="de-DE" dirty="0"/>
+              <a:t> </a:t>
+            </a:r>
+            <a:r>
+              <a:rPr lang="de-DE" dirty="0" err="1"/>
+              <a:t>complete</a:t>
+            </a:r>
+            <a:r>
+              <a:rPr lang="de-DE" dirty="0"/>
+              <a:t> </a:t>
+            </a:r>
+            <a:r>
+              <a:rPr lang="de-DE" dirty="0" err="1"/>
+              <a:t>data</a:t>
+            </a:r>
+            <a:r>
+              <a:rPr lang="de-DE" dirty="0"/>
+              <a:t> </a:t>
+            </a:r>
+            <a:r>
+              <a:rPr lang="de-DE" dirty="0" err="1"/>
+              <a:t>set</a:t>
+            </a:r>
+            <a:endParaRPr lang="de-DE" dirty="0"/>
+          </a:p>
+          <a:p>
+            <a:r>
+              <a:rPr lang="de-DE" dirty="0" err="1"/>
+              <a:t>Application</a:t>
+            </a:r>
+            <a:r>
+              <a:rPr lang="de-DE" dirty="0"/>
+              <a:t> </a:t>
+            </a:r>
+            <a:r>
+              <a:rPr lang="de-DE" dirty="0" err="1"/>
+              <a:t>of</a:t>
+            </a:r>
+            <a:r>
+              <a:rPr lang="de-DE" dirty="0"/>
+              <a:t> </a:t>
+            </a:r>
+            <a:r>
+              <a:rPr lang="de-DE" dirty="0" err="1"/>
+              <a:t>Butterworth</a:t>
+            </a:r>
+            <a:r>
+              <a:rPr lang="de-DE" dirty="0"/>
+              <a:t> </a:t>
+            </a:r>
+            <a:r>
+              <a:rPr lang="de-DE" dirty="0" err="1"/>
+              <a:t>filter</a:t>
+            </a:r>
+            <a:r>
+              <a:rPr lang="de-DE" dirty="0"/>
+              <a:t> </a:t>
+            </a:r>
+            <a:r>
+              <a:rPr lang="de-DE" dirty="0" err="1"/>
+              <a:t>with</a:t>
+            </a:r>
+            <a:r>
+              <a:rPr lang="de-DE" dirty="0"/>
+              <a:t> a </a:t>
+            </a:r>
+            <a:r>
+              <a:rPr lang="de-DE" dirty="0" err="1"/>
+              <a:t>passband</a:t>
+            </a:r>
+            <a:r>
+              <a:rPr lang="de-DE" dirty="0"/>
+              <a:t> </a:t>
+            </a:r>
+            <a:r>
+              <a:rPr lang="de-DE" dirty="0" err="1"/>
+              <a:t>of</a:t>
+            </a:r>
+            <a:r>
+              <a:rPr lang="de-DE" dirty="0"/>
+              <a:t> 1-40 Hz (</a:t>
+            </a:r>
+            <a:r>
+              <a:rPr lang="de-DE" dirty="0" err="1"/>
+              <a:t>alpha</a:t>
+            </a:r>
+            <a:r>
+              <a:rPr lang="de-DE" dirty="0"/>
+              <a:t> </a:t>
+            </a:r>
+            <a:r>
+              <a:rPr lang="de-DE" dirty="0" err="1"/>
+              <a:t>activity</a:t>
+            </a:r>
+            <a:r>
+              <a:rPr lang="de-DE" dirty="0"/>
+              <a:t> 8-13 Hz, </a:t>
+            </a:r>
+            <a:r>
+              <a:rPr lang="de-DE" dirty="0" err="1"/>
+              <a:t>beta</a:t>
+            </a:r>
+            <a:r>
+              <a:rPr lang="de-DE" dirty="0"/>
+              <a:t> </a:t>
+            </a:r>
+            <a:r>
+              <a:rPr lang="de-DE" dirty="0" err="1"/>
+              <a:t>activity</a:t>
+            </a:r>
+            <a:r>
+              <a:rPr lang="de-DE" dirty="0"/>
+              <a:t> 13-31 Hz)</a:t>
+            </a:r>
+          </a:p>
+          <a:p>
+            <a:r>
+              <a:rPr lang="de-DE" dirty="0"/>
+              <a:t>Amplitude Average </a:t>
+            </a:r>
+            <a:r>
+              <a:rPr lang="de-DE" dirty="0" err="1"/>
+              <a:t>over</a:t>
+            </a:r>
+            <a:r>
+              <a:rPr lang="de-DE" dirty="0"/>
+              <a:t> 1.3 </a:t>
+            </a:r>
+            <a:r>
+              <a:rPr lang="de-DE" dirty="0" err="1"/>
+              <a:t>seconds</a:t>
+            </a:r>
+            <a:r>
+              <a:rPr lang="de-DE" dirty="0"/>
+              <a:t> </a:t>
+            </a:r>
+            <a:r>
+              <a:rPr lang="de-DE" dirty="0" err="1"/>
+              <a:t>of</a:t>
+            </a:r>
+            <a:r>
+              <a:rPr lang="de-DE" dirty="0"/>
+              <a:t> </a:t>
+            </a:r>
+            <a:r>
+              <a:rPr lang="de-DE" dirty="0" err="1"/>
+              <a:t>the</a:t>
+            </a:r>
+            <a:r>
+              <a:rPr lang="de-DE" dirty="0"/>
+              <a:t> </a:t>
+            </a:r>
+            <a:r>
+              <a:rPr lang="de-DE" dirty="0" err="1"/>
+              <a:t>Butterworth</a:t>
+            </a:r>
+            <a:r>
+              <a:rPr lang="de-DE" dirty="0"/>
+              <a:t> </a:t>
+            </a:r>
+            <a:r>
+              <a:rPr lang="de-DE" dirty="0" err="1"/>
+              <a:t>filtered</a:t>
+            </a:r>
+            <a:r>
+              <a:rPr lang="de-DE" dirty="0"/>
+              <a:t> </a:t>
+            </a:r>
+            <a:r>
+              <a:rPr lang="de-DE" dirty="0" err="1"/>
+              <a:t>data</a:t>
+            </a:r>
+            <a:endParaRPr lang="de-DE" dirty="0"/>
+          </a:p>
+          <a:p>
+            <a:endParaRPr lang="de-DE" dirty="0"/>
+          </a:p>
+          <a:p>
+            <a:endParaRPr lang="de-DE" dirty="0"/>
+          </a:p>
+          <a:p>
+            <a:endParaRPr lang="de-DE" dirty="0"/>
+          </a:p>
+          <a:p>
+            <a:pPr marL="0" indent="0">
+              <a:buNone/>
+            </a:pPr>
+            <a:endParaRPr lang="de-DE" dirty="0"/>
+          </a:p>
+        </p:txBody>
+      </p:sp>
+      <p:pic>
+        <p:nvPicPr>
+          <p:cNvPr id="6" name="Picture 2" descr="http://www.astroml.org/sklearn_tutorial/_images/plot_ML_flow_chart_1.png"/>
+          <p:cNvPicPr>
+            <a:picLocks noChangeAspect="1" noChangeArrowheads="1"/>
+          </p:cNvPicPr>
+          <p:nvPr/>
+        </p:nvPicPr>
+        <p:blipFill>
+          <a:blip r:embed="rId2">
+            <a:extLst>
+              <a:ext uri="{28A0092B-C50C-407E-A947-70E740481C1C}">
+                <a14:useLocalDpi xmlns:a14="http://schemas.microsoft.com/office/drawing/2010/main" val="0"/>
+              </a:ext>
+            </a:extLst>
+          </a:blip>
+          <a:srcRect/>
+          <a:stretch>
+            <a:fillRect/>
+          </a:stretch>
+        </p:blipFill>
+        <p:spPr bwMode="auto">
+          <a:xfrm>
+            <a:off x="5399597" y="160866"/>
+            <a:ext cx="2793537" cy="1862358"/>
+          </a:xfrm>
+          <a:prstGeom prst="rect">
+            <a:avLst/>
+          </a:prstGeom>
+          <a:noFill/>
+          <a:extLst>
+            <a:ext uri="{909E8E84-426E-40DD-AFC4-6F175D3DCCD1}">
+              <a14:hiddenFill xmlns:a14="http://schemas.microsoft.com/office/drawing/2010/main">
+                <a:solidFill>
+                  <a:srgbClr val="FFFFFF"/>
+                </a:solidFill>
+              </a14:hiddenFill>
+            </a:ext>
+          </a:extLst>
+        </p:spPr>
+      </p:pic>
+      <p:sp>
+        <p:nvSpPr>
+          <p:cNvPr id="7" name="Abgerundetes Rechteck 6"/>
+          <p:cNvSpPr/>
+          <p:nvPr/>
+        </p:nvSpPr>
+        <p:spPr>
+          <a:xfrm>
+            <a:off x="6120711" y="160866"/>
+            <a:ext cx="652621" cy="1862358"/>
+          </a:xfrm>
+          <a:prstGeom prst="roundRect">
+            <a:avLst/>
+          </a:prstGeom>
+          <a:noFill/>
+          <a:ln w="57150">
+            <a:solidFill>
+              <a:srgbClr val="FFC000"/>
+            </a:solidFill>
+          </a:ln>
+        </p:spPr>
+        <p:style>
+          <a:lnRef idx="2">
+            <a:schemeClr val="accent1">
+              <a:shade val="50000"/>
+            </a:schemeClr>
+          </a:lnRef>
+          <a:fillRef idx="1">
+            <a:schemeClr val="accent1"/>
+          </a:fillRef>
+          <a:effectRef idx="0">
+            <a:schemeClr val="accent1"/>
+          </a:effectRef>
+          <a:fontRef idx="minor">
+            <a:schemeClr val="lt1"/>
+          </a:fontRef>
+        </p:style>
+        <p:txBody>
+          <a:bodyPr rtlCol="0" anchor="ctr"/>
+          <a:lstStyle/>
+          <a:p>
+            <a:pPr algn="ctr"/>
+            <a:endParaRPr lang="de-DE"/>
+          </a:p>
+        </p:txBody>
+      </p:sp>
+    </p:spTree>
+    <p:extLst>
+      <p:ext uri="{BB962C8B-B14F-4D97-AF65-F5344CB8AC3E}">
+        <p14:creationId xmlns:p14="http://schemas.microsoft.com/office/powerpoint/2010/main" val="1582344435"/>
+      </p:ext>
+    </p:extLst>
+  </p:cSld>
+  <p:clrMapOvr>
+    <a:masterClrMapping/>
+  </p:clrMapOvr>
+  <p:timing>
+    <p:tnLst>
+      <p:par>
+        <p:cTn id="1" dur="indefinite" restart="never" nodeType="tmRoot"/>
+      </p:par>
+    </p:tnLst>
+  </p:timing>
+</p:sld>
+</file>
+
+<file path=ppt/slides/slide8.xml><?xml version="1.0" encoding="utf-8"?>
+<p:sld xmlns:a="http://schemas.openxmlformats.org/drawingml/2006/main" xmlns:r="http://schemas.openxmlformats.org/officeDocument/2006/relationships" xmlns:p="http://schemas.openxmlformats.org/presentationml/2006/main">
+  <p:cSld>
+    <p:spTree>
+      <p:nvGrpSpPr>
+        <p:cNvPr id="1" name=""/>
+        <p:cNvGrpSpPr/>
+        <p:nvPr/>
+      </p:nvGrpSpPr>
+      <p:grpSpPr>
+        <a:xfrm>
+          <a:off x="0" y="0"/>
+          <a:ext cx="0" cy="0"/>
+          <a:chOff x="0" y="0"/>
+          <a:chExt cx="0" cy="0"/>
+        </a:xfrm>
+      </p:grpSpPr>
+      <p:sp>
+        <p:nvSpPr>
+          <p:cNvPr id="2" name="Titel 1"/>
+          <p:cNvSpPr>
+            <a:spLocks noGrp="1"/>
+          </p:cNvSpPr>
+          <p:nvPr>
+            <p:ph type="title"/>
+          </p:nvPr>
+        </p:nvSpPr>
+        <p:spPr>
+          <a:xfrm>
+            <a:off x="595311" y="420841"/>
+            <a:ext cx="9404723" cy="1400530"/>
+          </a:xfrm>
+        </p:spPr>
+        <p:txBody>
+          <a:bodyPr/>
+          <a:lstStyle/>
+          <a:p>
+            <a:r>
+              <a:rPr lang="de-DE" dirty="0" smtClean="0"/>
+              <a:t>2. </a:t>
+            </a:r>
+            <a:r>
+              <a:rPr lang="de-DE" dirty="0" err="1" smtClean="0"/>
               <a:t>Machine</a:t>
             </a:r>
             <a:r>
+              <a:rPr lang="de-DE" dirty="0" smtClean="0"/>
+              <a:t> </a:t>
+            </a:r>
+            <a:r>
               <a:rPr lang="de-DE" dirty="0"/>
-              <a:t> Learning </a:t>
-            </a:r>
-            <a:r>
-              <a:rPr lang="de-DE" dirty="0" err="1"/>
-              <a:t>Schemes</a:t>
+              <a:t>Learning </a:t>
+            </a:r>
+            <a:r>
+              <a:rPr lang="de-DE" dirty="0" err="1" smtClean="0"/>
+              <a:t>Algorithms</a:t>
             </a:r>
             <a:endParaRPr lang="de-DE" dirty="0"/>
           </a:p>
@@ -7835,7 +8940,7 @@
         </p:nvSpPr>
         <p:spPr>
           <a:xfrm>
-            <a:off x="4022641" y="2081432"/>
+            <a:off x="8373381" y="1966956"/>
             <a:ext cx="3913305" cy="1898297"/>
           </a:xfrm>
           <a:prstGeom prst="rect">
@@ -8180,7 +9285,7 @@
         </p:nvSpPr>
         <p:spPr>
           <a:xfrm>
-            <a:off x="7835278" y="2081906"/>
+            <a:off x="4122709" y="1934060"/>
             <a:ext cx="4155386" cy="2355869"/>
           </a:xfrm>
           <a:prstGeom prst="rect">
@@ -8487,8 +9592,12 @@
               <a:rPr lang="en-US" sz="1600" dirty="0"/>
             </a:br>
             <a:r>
+              <a:rPr lang="en-US" sz="1600" dirty="0" smtClean="0"/>
+              <a:t>tree </a:t>
+            </a:r>
+            <a:r>
               <a:rPr lang="en-US" sz="1600" dirty="0"/>
-              <a:t>try fit on the negative gradient of binomial deviance loss function</a:t>
+              <a:t>fit on the negative gradient of binomial deviance loss function</a:t>
             </a:r>
           </a:p>
           <a:p>
@@ -9887,6 +10996,93 @@
           </a:p>
         </p:txBody>
       </p:sp>
+      <p:pic>
+        <p:nvPicPr>
+          <p:cNvPr id="11" name="Picture 2" descr="http://www.astroml.org/sklearn_tutorial/_images/plot_ML_flow_chart_1.png"/>
+          <p:cNvPicPr>
+            <a:picLocks noChangeAspect="1" noChangeArrowheads="1"/>
+          </p:cNvPicPr>
+          <p:nvPr/>
+        </p:nvPicPr>
+        <p:blipFill>
+          <a:blip r:embed="rId2">
+            <a:extLst>
+              <a:ext uri="{28A0092B-C50C-407E-A947-70E740481C1C}">
+                <a14:useLocalDpi xmlns:a14="http://schemas.microsoft.com/office/drawing/2010/main" val="0"/>
+              </a:ext>
+            </a:extLst>
+          </a:blip>
+          <a:srcRect/>
+          <a:stretch>
+            <a:fillRect/>
+          </a:stretch>
+        </p:blipFill>
+        <p:spPr bwMode="auto">
+          <a:xfrm>
+            <a:off x="9202487" y="0"/>
+            <a:ext cx="2793537" cy="1862358"/>
+          </a:xfrm>
+          <a:prstGeom prst="rect">
+            <a:avLst/>
+          </a:prstGeom>
+          <a:noFill/>
+          <a:extLst>
+            <a:ext uri="{909E8E84-426E-40DD-AFC4-6F175D3DCCD1}">
+              <a14:hiddenFill xmlns:a14="http://schemas.microsoft.com/office/drawing/2010/main">
+                <a:solidFill>
+                  <a:srgbClr val="FFFFFF"/>
+                </a:solidFill>
+              </a14:hiddenFill>
+            </a:ext>
+          </a:extLst>
+        </p:spPr>
+      </p:pic>
+      <p:sp>
+        <p:nvSpPr>
+          <p:cNvPr id="12" name="Abgerundetes Rechteck 11"/>
+          <p:cNvSpPr/>
+          <p:nvPr/>
+        </p:nvSpPr>
+        <p:spPr>
+          <a:xfrm>
+            <a:off x="10546361" y="-9110"/>
+            <a:ext cx="705516" cy="1862358"/>
+          </a:xfrm>
+          <a:prstGeom prst="roundRect">
+            <a:avLst/>
+          </a:prstGeom>
+          <a:noFill/>
+          <a:ln w="57150">
+            <a:solidFill>
+              <a:srgbClr val="FFC000"/>
+            </a:solidFill>
+          </a:ln>
+        </p:spPr>
+        <p:style>
+          <a:lnRef idx="2">
+            <a:schemeClr val="accent1">
+              <a:shade val="50000"/>
+            </a:schemeClr>
+          </a:lnRef>
+          <a:fillRef idx="1">
+            <a:schemeClr val="accent1"/>
+          </a:fillRef>
+          <a:effectRef idx="0">
+            <a:schemeClr val="accent1"/>
+          </a:effectRef>
+          <a:fontRef idx="minor">
+            <a:schemeClr val="lt1"/>
+          </a:fontRef>
+        </p:style>
+        <p:txBody>
+          <a:bodyPr rtlCol="0" anchor="ctr"/>
+          <a:lstStyle/>
+          <a:p>
+            <a:pPr algn="ctr"/>
+            <a:endParaRPr lang="de-DE"/>
+          </a:p>
+        </p:txBody>
+      </p:sp>
     </p:spTree>
     <p:extLst>
       <p:ext uri="{BB962C8B-B14F-4D97-AF65-F5344CB8AC3E}">
@@ -9897,10 +11093,17 @@
   <p:clrMapOvr>
     <a:masterClrMapping/>
   </p:clrMapOvr>
+  <p:timing>
+    <p:tnLst>
+      <p:par>
+        <p:cTn id="1" dur="indefinite" restart="never" nodeType="tmRoot"/>
+      </p:par>
+    </p:tnLst>
+  </p:timing>
 </p:sld>
 </file>
 
-<file path=ppt/slides/slide7.xml><?xml version="1.0" encoding="utf-8"?>
+<file path=ppt/slides/slide9.xml><?xml version="1.0" encoding="utf-8"?>
 <p:sld xmlns:a="http://schemas.openxmlformats.org/drawingml/2006/main" xmlns:r="http://schemas.openxmlformats.org/officeDocument/2006/relationships" xmlns:p="http://schemas.openxmlformats.org/presentationml/2006/main">
   <p:cSld>
     <p:spTree>
@@ -9933,11 +11136,23 @@
           <a:lstStyle/>
           <a:p>
             <a:r>
-              <a:rPr lang="de-DE" dirty="0" err="1"/>
-              <a:t>Result</a:t>
-            </a:r>
-            <a:r>
-              <a:rPr lang="de-DE" dirty="0"/>
+              <a:rPr lang="de-DE" dirty="0" smtClean="0"/>
+              <a:t>3. </a:t>
+            </a:r>
+            <a:r>
+              <a:rPr lang="de-DE" dirty="0" err="1" smtClean="0"/>
+              <a:t>Classification</a:t>
+            </a:r>
+            <a:r>
+              <a:rPr lang="de-DE" dirty="0" smtClean="0"/>
+              <a:t> </a:t>
+            </a:r>
+            <a:r>
+              <a:rPr lang="de-DE" dirty="0" err="1" smtClean="0"/>
+              <a:t>Results</a:t>
+            </a:r>
+            <a:r>
+              <a:rPr lang="de-DE" dirty="0" smtClean="0"/>
               <a:t> </a:t>
             </a:r>
             <a:r>
@@ -9948,30 +11163,6 @@
           </a:p>
         </p:txBody>
       </p:sp>
-      <p:pic>
-        <p:nvPicPr>
-          <p:cNvPr id="4" name="Grafik 3"/>
-          <p:cNvPicPr>
-            <a:picLocks noChangeAspect="1"/>
-          </p:cNvPicPr>
-          <p:nvPr/>
-        </p:nvPicPr>
-        <p:blipFill>
-          <a:blip r:embed="rId2"/>
-          <a:stretch>
-            <a:fillRect/>
-          </a:stretch>
-        </p:blipFill>
-        <p:spPr>
-          <a:xfrm>
-            <a:off x="646111" y="1286070"/>
-            <a:ext cx="7055887" cy="5300197"/>
-          </a:xfrm>
-          <a:prstGeom prst="rect">
-            <a:avLst/>
-          </a:prstGeom>
-        </p:spPr>
-      </p:pic>
       <p:sp>
         <p:nvSpPr>
           <p:cNvPr id="5" name="Inhaltsplatzhalter 2"/>
@@ -9982,7 +11173,7 @@
         </p:nvSpPr>
         <p:spPr>
           <a:xfrm>
-            <a:off x="8001858" y="2475566"/>
+            <a:off x="8094181" y="3369617"/>
             <a:ext cx="3913305" cy="3488383"/>
           </a:xfrm>
           <a:prstGeom prst="rect">
@@ -10365,186 +11556,40 @@
           </a:p>
         </p:txBody>
       </p:sp>
-    </p:spTree>
-    <p:extLst>
-      <p:ext uri="{BB962C8B-B14F-4D97-AF65-F5344CB8AC3E}">
-        <p14:creationId xmlns:p14="http://schemas.microsoft.com/office/powerpoint/2010/main" val="3587294500"/>
-      </p:ext>
-    </p:extLst>
-  </p:cSld>
-  <p:clrMapOvr>
-    <a:masterClrMapping/>
-  </p:clrMapOvr>
-</p:sld>
-</file>
-
-<file path=ppt/slides/slide8.xml><?xml version="1.0" encoding="utf-8"?>
-<p:sld xmlns:a="http://schemas.openxmlformats.org/drawingml/2006/main" xmlns:r="http://schemas.openxmlformats.org/officeDocument/2006/relationships" xmlns:p="http://schemas.openxmlformats.org/presentationml/2006/main">
-  <p:cSld>
-    <p:spTree>
-      <p:nvGrpSpPr>
-        <p:cNvPr id="1" name=""/>
-        <p:cNvGrpSpPr/>
-        <p:nvPr/>
-      </p:nvGrpSpPr>
-      <p:grpSpPr>
-        <a:xfrm>
-          <a:off x="0" y="0"/>
-          <a:ext cx="0" cy="0"/>
-          <a:chOff x="0" y="0"/>
-          <a:chExt cx="0" cy="0"/>
-        </a:xfrm>
-      </p:grpSpPr>
-      <p:sp>
-        <p:nvSpPr>
-          <p:cNvPr id="2" name="Titel 1"/>
-          <p:cNvSpPr>
-            <a:spLocks noGrp="1"/>
-          </p:cNvSpPr>
-          <p:nvPr>
-            <p:ph type="title"/>
-          </p:nvPr>
-        </p:nvSpPr>
-        <p:spPr/>
-        <p:txBody>
-          <a:bodyPr/>
-          <a:lstStyle/>
-          <a:p>
-            <a:r>
-              <a:rPr lang="de-DE" dirty="0"/>
-              <a:t>Ranking </a:t>
-            </a:r>
-            <a:r>
-              <a:rPr lang="de-DE" dirty="0" err="1"/>
-              <a:t>and</a:t>
-            </a:r>
-            <a:r>
-              <a:rPr lang="de-DE" dirty="0"/>
-              <a:t> Outlook</a:t>
-            </a:r>
-          </a:p>
-        </p:txBody>
-      </p:sp>
-      <p:sp>
-        <p:nvSpPr>
-          <p:cNvPr id="3" name="Inhaltsplatzhalter 2"/>
-          <p:cNvSpPr>
-            <a:spLocks noGrp="1"/>
-          </p:cNvSpPr>
-          <p:nvPr>
-            <p:ph idx="1"/>
-          </p:nvPr>
-        </p:nvSpPr>
+      <p:pic>
+        <p:nvPicPr>
+          <p:cNvPr id="3" name="Grafik 2"/>
+          <p:cNvPicPr>
+            <a:picLocks noChangeAspect="1"/>
+          </p:cNvPicPr>
+          <p:nvPr/>
+        </p:nvPicPr>
+        <p:blipFill>
+          <a:blip r:embed="rId2"/>
+          <a:stretch>
+            <a:fillRect/>
+          </a:stretch>
+        </p:blipFill>
         <p:spPr>
           <a:xfrm>
-            <a:off x="678665" y="4610178"/>
-            <a:ext cx="8946541" cy="1600898"/>
+            <a:off x="519068" y="1205040"/>
+            <a:ext cx="7283813" cy="5444589"/>
           </a:xfrm>
+          <a:prstGeom prst="rect">
+            <a:avLst/>
+          </a:prstGeom>
         </p:spPr>
-        <p:txBody>
-          <a:bodyPr/>
-          <a:lstStyle/>
-          <a:p>
-            <a:r>
-              <a:rPr lang="de-DE" dirty="0"/>
-              <a:t>Challenge </a:t>
-            </a:r>
-            <a:r>
-              <a:rPr lang="de-DE" dirty="0" err="1"/>
-              <a:t>felt</a:t>
-            </a:r>
-            <a:r>
-              <a:rPr lang="de-DE" dirty="0"/>
-              <a:t> </a:t>
-            </a:r>
-            <a:r>
-              <a:rPr lang="de-DE" dirty="0" err="1"/>
-              <a:t>impactful</a:t>
-            </a:r>
-            <a:endParaRPr lang="de-DE" dirty="0"/>
-          </a:p>
-          <a:p>
-            <a:r>
-              <a:rPr lang="de-DE" dirty="0"/>
-              <a:t>Motivation </a:t>
-            </a:r>
-            <a:r>
-              <a:rPr lang="de-DE" dirty="0" err="1"/>
-              <a:t>to</a:t>
-            </a:r>
-            <a:r>
-              <a:rPr lang="de-DE" dirty="0"/>
-              <a:t> </a:t>
-            </a:r>
-            <a:r>
-              <a:rPr lang="de-DE" dirty="0" err="1"/>
-              <a:t>work</a:t>
-            </a:r>
-            <a:r>
-              <a:rPr lang="de-DE" dirty="0"/>
-              <a:t> on </a:t>
-            </a:r>
-            <a:r>
-              <a:rPr lang="de-DE" dirty="0" err="1"/>
-              <a:t>future</a:t>
-            </a:r>
-            <a:r>
-              <a:rPr lang="de-DE" dirty="0"/>
-              <a:t> </a:t>
-            </a:r>
-            <a:r>
-              <a:rPr lang="de-DE" dirty="0" err="1"/>
-              <a:t>challenges</a:t>
-            </a:r>
-            <a:endParaRPr lang="de-DE" dirty="0"/>
-          </a:p>
-          <a:p>
-            <a:r>
-              <a:rPr lang="de-DE" dirty="0"/>
-              <a:t>Future </a:t>
-            </a:r>
-            <a:r>
-              <a:rPr lang="de-DE" dirty="0" err="1"/>
-              <a:t>projects</a:t>
-            </a:r>
-            <a:r>
-              <a:rPr lang="de-DE" dirty="0"/>
-              <a:t> in </a:t>
-            </a:r>
-            <a:r>
-              <a:rPr lang="de-DE" dirty="0" err="1"/>
-              <a:t>this</a:t>
-            </a:r>
-            <a:r>
-              <a:rPr lang="de-DE" dirty="0"/>
-              <a:t> </a:t>
-            </a:r>
-            <a:r>
-              <a:rPr lang="de-DE" dirty="0" err="1"/>
-              <a:t>subject</a:t>
-            </a:r>
-            <a:r>
-              <a:rPr lang="de-DE" dirty="0"/>
-              <a:t> </a:t>
-            </a:r>
-            <a:r>
-              <a:rPr lang="de-DE" dirty="0" err="1"/>
-              <a:t>area</a:t>
-            </a:r>
-            <a:endParaRPr lang="de-DE" dirty="0"/>
-          </a:p>
-        </p:txBody>
-      </p:sp>
+      </p:pic>
       <p:pic>
         <p:nvPicPr>
-          <p:cNvPr id="2050" name="Picture 2" descr="https://raw.githubusercontent.com/A-Wiedemann/Neural-Engineering/master/leaderboard_14.png"/>
+          <p:cNvPr id="6" name="Picture 2" descr="http://www.astroml.org/sklearn_tutorial/_images/plot_ML_flow_chart_1.png"/>
           <p:cNvPicPr>
             <a:picLocks noChangeAspect="1" noChangeArrowheads="1"/>
           </p:cNvPicPr>
           <p:nvPr/>
         </p:nvPicPr>
         <p:blipFill>
-          <a:blip r:embed="rId2">
+          <a:blip r:embed="rId3">
             <a:extLst>
               <a:ext uri="{28A0092B-C50C-407E-A947-70E740481C1C}">
                 <a14:useLocalDpi xmlns:a14="http://schemas.microsoft.com/office/drawing/2010/main" val="0"/>
@@ -10558,8 +11603,8 @@
         </p:blipFill>
         <p:spPr bwMode="auto">
           <a:xfrm>
-            <a:off x="646111" y="1465391"/>
-            <a:ext cx="8979095" cy="2641809"/>
+            <a:off x="8220354" y="1214150"/>
+            <a:ext cx="2793537" cy="1862358"/>
           </a:xfrm>
           <a:prstGeom prst="rect">
             <a:avLst/>
@@ -10576,16 +11621,69 @@
           </a:extLst>
         </p:spPr>
       </p:pic>
+      <p:sp>
+        <p:nvSpPr>
+          <p:cNvPr id="7" name="Abgerundetes Rechteck 6"/>
+          <p:cNvSpPr/>
+          <p:nvPr/>
+        </p:nvSpPr>
+        <p:spPr>
+          <a:xfrm>
+            <a:off x="10308375" y="2311399"/>
+            <a:ext cx="705516" cy="703941"/>
+          </a:xfrm>
+          <a:prstGeom prst="roundRect">
+            <a:avLst/>
+          </a:prstGeom>
+          <a:noFill/>
+          <a:ln w="57150">
+            <a:solidFill>
+              <a:srgbClr val="FFC000"/>
+            </a:solidFill>
+          </a:ln>
+        </p:spPr>
+        <p:style>
+          <a:lnRef idx="2">
+            <a:schemeClr val="accent1">
+              <a:shade val="50000"/>
+            </a:schemeClr>
+          </a:lnRef>
+          <a:fillRef idx="1">
+            <a:schemeClr val="accent1"/>
+          </a:fillRef>
+          <a:effectRef idx="0">
+            <a:schemeClr val="accent1"/>
+          </a:effectRef>
+          <a:fontRef idx="minor">
+            <a:schemeClr val="lt1"/>
+          </a:fontRef>
+        </p:style>
+        <p:txBody>
+          <a:bodyPr rtlCol="0" anchor="ctr"/>
+          <a:lstStyle/>
+          <a:p>
+            <a:pPr algn="ctr"/>
+            <a:endParaRPr lang="de-DE"/>
+          </a:p>
+        </p:txBody>
+      </p:sp>
     </p:spTree>
     <p:extLst>
       <p:ext uri="{BB962C8B-B14F-4D97-AF65-F5344CB8AC3E}">
-        <p14:creationId xmlns:p14="http://schemas.microsoft.com/office/powerpoint/2010/main" val="246407262"/>
+        <p14:creationId xmlns:p14="http://schemas.microsoft.com/office/powerpoint/2010/main" val="3587294500"/>
       </p:ext>
     </p:extLst>
   </p:cSld>
   <p:clrMapOvr>
     <a:masterClrMapping/>
   </p:clrMapOvr>
+  <p:timing>
+    <p:tnLst>
+      <p:par>
+        <p:cTn id="1" dur="indefinite" restart="never" nodeType="tmRoot"/>
+      </p:par>
+    </p:tnLst>
+  </p:timing>
 </p:sld>
 </file>
 
